--- a/Documents/LoRaIOTGoogleCoudPlatform.pptx
+++ b/Documents/LoRaIOTGoogleCoudPlatform.pptx
@@ -34,6 +34,8 @@
     <p:sldId id="284" r:id="rId28"/>
     <p:sldId id="285" r:id="rId29"/>
     <p:sldId id="286" r:id="rId30"/>
+    <p:sldId id="287" r:id="rId31"/>
+    <p:sldId id="288" r:id="rId32"/>
   </p:sldIdLst>
   <p:sldSz cx="12192000" cy="6858000"/>
   <p:notesSz cx="6858000" cy="9144000"/>
@@ -3087,11 +3089,7 @@
             <a:pPr algn="r"/>
             <a:r>
               <a:rPr lang="en-US" dirty="0" smtClean="0"/>
-              <a:t>Akarawat </a:t>
-            </a:r>
-            <a:r>
-              <a:rPr lang="en-US" dirty="0" smtClean="0"/>
-              <a:t>Panwilai</a:t>
+              <a:t>Akarawat Panwilai</a:t>
             </a:r>
             <a:r>
               <a:rPr lang="en-US" dirty="0"/>
@@ -4387,29 +4385,13 @@
           <a:p>
             <a:r>
               <a:rPr lang="en-US" dirty="0"/>
-              <a:t>$ </a:t>
-            </a:r>
-            <a:r>
-              <a:rPr lang="en-US" dirty="0" err="1"/>
-              <a:t>sudo</a:t>
-            </a:r>
+              <a:t>$ sudo apt-get update</a:t>
+            </a:r>
+          </a:p>
+          <a:p>
             <a:r>
               <a:rPr lang="en-US" dirty="0"/>
-              <a:t> apt-get update</a:t>
-            </a:r>
-          </a:p>
-          <a:p>
-            <a:r>
-              <a:rPr lang="en-US" dirty="0"/>
-              <a:t>$ </a:t>
-            </a:r>
-            <a:r>
-              <a:rPr lang="en-US" dirty="0" err="1"/>
-              <a:t>sudo</a:t>
-            </a:r>
-            <a:r>
-              <a:rPr lang="en-US" dirty="0"/>
-              <a:t> apt-get install </a:t>
+              <a:t>$ sudo apt-get install </a:t>
             </a:r>
             <a:r>
               <a:rPr lang="en-US" dirty="0" smtClean="0"/>
@@ -4419,15 +4401,7 @@
           <a:p>
             <a:r>
               <a:rPr lang="en-US" dirty="0"/>
-              <a:t>$ </a:t>
-            </a:r>
-            <a:r>
-              <a:rPr lang="en-US" dirty="0" err="1"/>
-              <a:t>sudo</a:t>
-            </a:r>
-            <a:r>
-              <a:rPr lang="en-US" dirty="0"/>
-              <a:t> </a:t>
+              <a:t>$ sudo </a:t>
             </a:r>
             <a:r>
               <a:rPr lang="en-US" dirty="0" err="1"/>
@@ -4437,7 +4411,6 @@
               <a:rPr lang="en-US" dirty="0"/>
               <a:t> start apache2</a:t>
             </a:r>
-            <a:endParaRPr lang="en-US" dirty="0"/>
           </a:p>
         </p:txBody>
       </p:sp>
@@ -4926,7 +4899,6 @@
               <a:rPr lang="en-US" dirty="0"/>
               <a:t>/www/html/index.html</a:t>
             </a:r>
-            <a:endParaRPr lang="en-US" dirty="0"/>
           </a:p>
         </p:txBody>
       </p:sp>
@@ -5642,15 +5614,33 @@
                         </a:spcAft>
                       </a:pPr>
                       <a:r>
-                        <a:rPr lang="en-US" sz="2400">
+                        <a:rPr lang="en-US" sz="2400" dirty="0">
                           <a:solidFill>
                             <a:schemeClr val="tx1"/>
                           </a:solidFill>
                           <a:effectLst/>
                         </a:rPr>
-                        <a:t>sudo mkdir foo </a:t>
+                        <a:t>sudo </a:t>
                       </a:r>
-                      <a:endParaRPr lang="en-US" sz="1800">
+                      <a:r>
+                        <a:rPr lang="en-US" sz="2400" dirty="0" err="1">
+                          <a:solidFill>
+                            <a:schemeClr val="tx1"/>
+                          </a:solidFill>
+                          <a:effectLst/>
+                        </a:rPr>
+                        <a:t>mkdir</a:t>
+                      </a:r>
+                      <a:r>
+                        <a:rPr lang="en-US" sz="2400" dirty="0">
+                          <a:solidFill>
+                            <a:schemeClr val="tx1"/>
+                          </a:solidFill>
+                          <a:effectLst/>
+                        </a:rPr>
+                        <a:t> foo </a:t>
+                      </a:r>
+                      <a:endParaRPr lang="en-US" sz="1800" dirty="0">
                         <a:solidFill>
                           <a:schemeClr val="tx1"/>
                         </a:solidFill>
@@ -5756,15 +5746,33 @@
                         </a:spcAft>
                       </a:pPr>
                       <a:r>
-                        <a:rPr lang="en-US" sz="2400">
+                        <a:rPr lang="en-US" sz="2400" dirty="0">
                           <a:solidFill>
                             <a:schemeClr val="tx1"/>
                           </a:solidFill>
                           <a:effectLst/>
                         </a:rPr>
-                        <a:t>sudo rm foo</a:t>
+                        <a:t>sudo </a:t>
                       </a:r>
-                      <a:endParaRPr lang="en-US" sz="1800">
+                      <a:r>
+                        <a:rPr lang="en-US" sz="2400" dirty="0" err="1">
+                          <a:solidFill>
+                            <a:schemeClr val="tx1"/>
+                          </a:solidFill>
+                          <a:effectLst/>
+                        </a:rPr>
+                        <a:t>rm</a:t>
+                      </a:r>
+                      <a:r>
+                        <a:rPr lang="en-US" sz="2400" dirty="0">
+                          <a:solidFill>
+                            <a:schemeClr val="tx1"/>
+                          </a:solidFill>
+                          <a:effectLst/>
+                        </a:rPr>
+                        <a:t> foo</a:t>
+                      </a:r>
+                      <a:endParaRPr lang="en-US" sz="1800" dirty="0">
                         <a:solidFill>
                           <a:schemeClr val="tx1"/>
                         </a:solidFill>
@@ -5852,15 +5860,51 @@
                         </a:spcAft>
                       </a:pPr>
                       <a:r>
-                        <a:rPr lang="en-US" sz="2400">
+                        <a:rPr lang="en-US" sz="2400" dirty="0">
                           <a:solidFill>
                             <a:schemeClr val="tx1"/>
                           </a:solidFill>
                           <a:effectLst/>
                         </a:rPr>
-                        <a:t>sudo rm -rf foo</a:t>
+                        <a:t>sudo </a:t>
                       </a:r>
-                      <a:endParaRPr lang="en-US" sz="1800">
+                      <a:r>
+                        <a:rPr lang="en-US" sz="2400" dirty="0" err="1">
+                          <a:solidFill>
+                            <a:schemeClr val="tx1"/>
+                          </a:solidFill>
+                          <a:effectLst/>
+                        </a:rPr>
+                        <a:t>rm</a:t>
+                      </a:r>
+                      <a:r>
+                        <a:rPr lang="en-US" sz="2400" dirty="0">
+                          <a:solidFill>
+                            <a:schemeClr val="tx1"/>
+                          </a:solidFill>
+                          <a:effectLst/>
+                        </a:rPr>
+                        <a:t> -</a:t>
+                      </a:r>
+                      <a:r>
+                        <a:rPr lang="en-US" sz="2400" dirty="0" err="1">
+                          <a:solidFill>
+                            <a:schemeClr val="tx1"/>
+                          </a:solidFill>
+                          <a:effectLst/>
+                        </a:rPr>
+                        <a:t>rf</a:t>
+                      </a:r>
+                      <a:r>
+                        <a:rPr lang="en-US" sz="2400" dirty="0">
+                          <a:solidFill>
+                            <a:schemeClr val="tx1"/>
+                          </a:solidFill>
+                          <a:effectLst/>
+                        </a:rPr>
+                        <a:t> foo</a:t>
+                      </a:r>
+                      <a:endParaRPr lang="en-US" sz="1800" dirty="0">
                         <a:solidFill>
                           <a:schemeClr val="tx1"/>
                         </a:solidFill>
@@ -5948,7 +5992,7 @@
                         </a:spcAft>
                       </a:pPr>
                       <a:r>
-                        <a:rPr lang="en-US" sz="2400">
+                        <a:rPr lang="en-US" sz="2400" dirty="0">
                           <a:solidFill>
                             <a:schemeClr val="tx1"/>
                           </a:solidFill>
@@ -5956,7 +6000,7 @@
                         </a:rPr>
                         <a:t>sudo unzip foo.zip</a:t>
                       </a:r>
-                      <a:endParaRPr lang="en-US" sz="1800">
+                      <a:endParaRPr lang="en-US" sz="1800" dirty="0">
                         <a:solidFill>
                           <a:schemeClr val="tx1"/>
                         </a:solidFill>
@@ -6629,19 +6673,7 @@
               <a:rPr lang="en-US" dirty="0">
                 <a:latin typeface="Tahoma" panose="020B0604030504040204" pitchFamily="34" charset="0"/>
               </a:rPr>
-              <a:t> https://deb.nodesource.com/setup_8.x | </a:t>
-            </a:r>
-            <a:r>
-              <a:rPr lang="en-US" dirty="0" err="1">
-                <a:latin typeface="Tahoma" panose="020B0604030504040204" pitchFamily="34" charset="0"/>
-              </a:rPr>
-              <a:t>sudo</a:t>
-            </a:r>
-            <a:r>
-              <a:rPr lang="en-US" dirty="0">
-                <a:latin typeface="Tahoma" panose="020B0604030504040204" pitchFamily="34" charset="0"/>
-              </a:rPr>
-              <a:t> -E bash -</a:t>
+              <a:t> https://deb.nodesource.com/setup_8.x | sudo -E bash -</a:t>
             </a:r>
             <a:br>
               <a:rPr lang="en-US" dirty="0">
@@ -6652,19 +6684,7 @@
               <a:rPr lang="en-US" dirty="0">
                 <a:latin typeface="Tahoma" panose="020B0604030504040204" pitchFamily="34" charset="0"/>
               </a:rPr>
-              <a:t>$ </a:t>
-            </a:r>
-            <a:r>
-              <a:rPr lang="en-US" dirty="0" err="1">
-                <a:latin typeface="Tahoma" panose="020B0604030504040204" pitchFamily="34" charset="0"/>
-              </a:rPr>
-              <a:t>sudo</a:t>
-            </a:r>
-            <a:r>
-              <a:rPr lang="en-US" dirty="0">
-                <a:latin typeface="Tahoma" panose="020B0604030504040204" pitchFamily="34" charset="0"/>
-              </a:rPr>
-              <a:t> apt-get install -y </a:t>
+              <a:t>$ sudo apt-get install -y </a:t>
             </a:r>
             <a:r>
               <a:rPr lang="en-US" dirty="0" err="1">
@@ -6691,11 +6711,7 @@
             </a:r>
             <a:r>
               <a:rPr lang="en-US" dirty="0"/>
-              <a:t>node -v</a:t>
-            </a:r>
-            <a:r>
-              <a:rPr lang="en-US" dirty="0"/>
-              <a:t> </a:t>
+              <a:t>node -v </a:t>
             </a:r>
           </a:p>
         </p:txBody>
@@ -6795,16 +6811,8 @@
               <a:t> </a:t>
             </a:r>
             <a:r>
-              <a:rPr lang="en-US" dirty="0" err="1"/>
-              <a:t>sudo</a:t>
-            </a:r>
-            <a:r>
               <a:rPr lang="en-US" dirty="0"/>
-              <a:t> apt-get install npm</a:t>
-            </a:r>
-            <a:r>
-              <a:rPr lang="en-US" dirty="0"/>
-              <a:t> </a:t>
+              <a:t>sudo apt-get install npm </a:t>
             </a:r>
             <a:br>
               <a:rPr lang="en-US" dirty="0"/>
@@ -6821,11 +6829,7 @@
             </a:r>
             <a:r>
               <a:rPr lang="en-US" dirty="0"/>
-              <a:t>-v</a:t>
-            </a:r>
-            <a:r>
-              <a:rPr lang="en-US" dirty="0"/>
-              <a:t> </a:t>
+              <a:t>-v </a:t>
             </a:r>
           </a:p>
         </p:txBody>
@@ -6999,12 +7003,8 @@
               <a:t>$ </a:t>
             </a:r>
             <a:r>
-              <a:rPr lang="en-US" dirty="0" err="1"/>
-              <a:t>sudo</a:t>
-            </a:r>
-            <a:r>
               <a:rPr lang="en-US" dirty="0"/>
-              <a:t> apt-get install </a:t>
+              <a:t>sudo apt-get install </a:t>
             </a:r>
             <a:r>
               <a:rPr lang="en-US" dirty="0" err="1" smtClean="0"/>
@@ -7129,12 +7129,8 @@
               <a:t> </a:t>
             </a:r>
             <a:r>
-              <a:rPr lang="en-US" dirty="0" err="1"/>
-              <a:t>sudo</a:t>
-            </a:r>
-            <a:r>
               <a:rPr lang="en-US" dirty="0"/>
-              <a:t> </a:t>
+              <a:t>sudo </a:t>
             </a:r>
             <a:r>
               <a:rPr lang="en-US" dirty="0" err="1"/>
@@ -7949,23 +7945,7 @@
                 <a:ea typeface="Tahoma" panose="020B0604030504040204" pitchFamily="34" charset="0"/>
                 <a:cs typeface="Tahoma" panose="020B0604030504040204" pitchFamily="34" charset="0"/>
               </a:rPr>
-              <a:t>LoRa </a:t>
-            </a:r>
-            <a:r>
-              <a:rPr lang="en-US" b="1" dirty="0" smtClean="0">
-                <a:solidFill>
-                  <a:srgbClr val="000000"/>
-                </a:solidFill>
-                <a:uFill>
-                  <a:solidFill>
-                    <a:srgbClr val="000000"/>
-                  </a:solidFill>
-                </a:uFill>
-                <a:latin typeface="Tahoma" panose="020B0604030504040204" pitchFamily="34" charset="0"/>
-                <a:ea typeface="Tahoma" panose="020B0604030504040204" pitchFamily="34" charset="0"/>
-                <a:cs typeface="Tahoma" panose="020B0604030504040204" pitchFamily="34" charset="0"/>
-              </a:rPr>
-              <a:t>Module</a:t>
+              <a:t>LoRa Module</a:t>
             </a:r>
             <a:r>
               <a:rPr lang="th-TH" b="1" dirty="0" smtClean="0">
@@ -8632,20 +8612,12 @@
               <a:t>$ </a:t>
             </a:r>
             <a:r>
-              <a:rPr lang="en-US" altLang="en-US" dirty="0" err="1">
+              <a:rPr lang="en-US" altLang="en-US" dirty="0">
                 <a:solidFill>
                   <a:srgbClr val="333333"/>
                 </a:solidFill>
               </a:rPr>
-              <a:t>sudo</a:t>
-            </a:r>
-            <a:r>
-              <a:rPr lang="en-US" altLang="en-US" dirty="0">
-                <a:solidFill>
-                  <a:srgbClr val="333333"/>
-                </a:solidFill>
-              </a:rPr>
-              <a:t> apt-get install zip</a:t>
+              <a:t>sudo apt-get install zip</a:t>
             </a:r>
             <a:r>
               <a:rPr lang="en-US" dirty="0"/>
@@ -8659,20 +8631,12 @@
               <a:t>$ </a:t>
             </a:r>
             <a:r>
-              <a:rPr lang="en-US" altLang="en-US" dirty="0" err="1">
+              <a:rPr lang="en-US" altLang="en-US" dirty="0">
                 <a:solidFill>
                   <a:srgbClr val="333333"/>
                 </a:solidFill>
               </a:rPr>
-              <a:t>sudo</a:t>
-            </a:r>
-            <a:r>
-              <a:rPr lang="en-US" altLang="en-US" dirty="0">
-                <a:solidFill>
-                  <a:srgbClr val="333333"/>
-                </a:solidFill>
-              </a:rPr>
-              <a:t> apt-get install unzip</a:t>
+              <a:t>sudo apt-get install unzip</a:t>
             </a:r>
             <a:r>
               <a:rPr lang="en-US" altLang="en-US" dirty="0"/>
@@ -8683,28 +8647,20 @@
           <a:p>
             <a:r>
               <a:rPr lang="en-US" dirty="0"/>
-              <a:t>$ </a:t>
+              <a:t>$ sudo npm install forever -g</a:t>
+            </a:r>
+          </a:p>
+          <a:p>
+            <a:endParaRPr lang="en-US" dirty="0" smtClean="0"/>
+          </a:p>
+          <a:p>
+            <a:r>
+              <a:rPr lang="en-US" dirty="0"/>
+              <a:t>$ sudo </a:t>
             </a:r>
             <a:r>
               <a:rPr lang="en-US" dirty="0" err="1"/>
-              <a:t>sudo</a:t>
-            </a:r>
-            <a:r>
-              <a:rPr lang="en-US" dirty="0"/>
-              <a:t> npm install forever -g</a:t>
-            </a:r>
-          </a:p>
-          <a:p>
-            <a:endParaRPr lang="en-US" dirty="0" smtClean="0"/>
-          </a:p>
-          <a:p>
-            <a:r>
-              <a:rPr lang="en-US" dirty="0"/>
-              <a:t>$ </a:t>
-            </a:r>
-            <a:r>
-              <a:rPr lang="en-US" dirty="0" err="1"/>
-              <a:t>sudo</a:t>
+              <a:t>mkdir</a:t>
             </a:r>
             <a:r>
               <a:rPr lang="en-US" dirty="0"/>
@@ -8712,20 +8668,12 @@
             </a:r>
             <a:r>
               <a:rPr lang="en-US" dirty="0" err="1"/>
-              <a:t>mkdir</a:t>
+              <a:t>myprotocol</a:t>
             </a:r>
             <a:r>
               <a:rPr lang="en-US" dirty="0"/>
               <a:t> </a:t>
             </a:r>
-            <a:r>
-              <a:rPr lang="en-US" dirty="0" err="1"/>
-              <a:t>myprotocol</a:t>
-            </a:r>
-            <a:r>
-              <a:rPr lang="en-US" dirty="0"/>
-              <a:t> </a:t>
-            </a:r>
           </a:p>
           <a:p>
             <a:r>
@@ -8741,15 +8689,7 @@
           <a:p>
             <a:r>
               <a:rPr lang="en-US" dirty="0" smtClean="0"/>
-              <a:t>$ </a:t>
-            </a:r>
-            <a:r>
-              <a:rPr lang="en-US" dirty="0" err="1" smtClean="0"/>
-              <a:t>sudo</a:t>
-            </a:r>
-            <a:r>
-              <a:rPr lang="en-US" dirty="0" smtClean="0"/>
-              <a:t> npm </a:t>
+              <a:t>$ sudo npm </a:t>
             </a:r>
             <a:r>
               <a:rPr lang="en-US" dirty="0" err="1" smtClean="0"/>
@@ -8766,12 +8706,8 @@
               <a:t>$ </a:t>
             </a:r>
             <a:r>
-              <a:rPr lang="en-US" dirty="0" err="1"/>
-              <a:t>sudo</a:t>
-            </a:r>
-            <a:r>
               <a:rPr lang="en-US" dirty="0"/>
-              <a:t> npm install express --</a:t>
+              <a:t>sudo npm install express --</a:t>
             </a:r>
             <a:r>
               <a:rPr lang="en-US" dirty="0" smtClean="0"/>
@@ -8789,12 +8725,8 @@
               <a:t>$ </a:t>
             </a:r>
             <a:r>
-              <a:rPr lang="en-US" dirty="0" err="1" smtClean="0"/>
-              <a:t>sudo</a:t>
-            </a:r>
-            <a:r>
               <a:rPr lang="en-US" dirty="0" smtClean="0"/>
-              <a:t> </a:t>
+              <a:t>sudo </a:t>
             </a:r>
             <a:r>
               <a:rPr lang="en-US" dirty="0"/>
@@ -8807,12 +8739,8 @@
               <a:t>$ </a:t>
             </a:r>
             <a:r>
-              <a:rPr lang="en-US" dirty="0" err="1" smtClean="0"/>
-              <a:t>sudo</a:t>
-            </a:r>
-            <a:r>
               <a:rPr lang="en-US" dirty="0" smtClean="0"/>
-              <a:t> </a:t>
+              <a:t>sudo </a:t>
             </a:r>
             <a:r>
               <a:rPr lang="en-US" dirty="0"/>
@@ -8833,12 +8761,8 @@
               <a:t>$ </a:t>
             </a:r>
             <a:r>
-              <a:rPr lang="en-US" dirty="0" err="1" smtClean="0"/>
-              <a:t>sudo</a:t>
-            </a:r>
-            <a:r>
               <a:rPr lang="en-US" dirty="0" smtClean="0"/>
-              <a:t> </a:t>
+              <a:t>sudo </a:t>
             </a:r>
             <a:r>
               <a:rPr lang="en-US" dirty="0"/>
@@ -8852,15 +8776,7 @@
           <a:p>
             <a:r>
               <a:rPr lang="en-US" dirty="0" smtClean="0"/>
-              <a:t>$ </a:t>
-            </a:r>
-            <a:r>
-              <a:rPr lang="en-US" dirty="0" err="1" smtClean="0"/>
-              <a:t>sudo</a:t>
-            </a:r>
-            <a:r>
-              <a:rPr lang="en-US" dirty="0" smtClean="0"/>
-              <a:t> </a:t>
+              <a:t>$ sudo </a:t>
             </a:r>
             <a:r>
               <a:rPr lang="en-US" altLang="en-US" dirty="0">
@@ -9832,12 +9748,8 @@
               <a:t>ใช้คำสั่งย้ายไฟล์ด้วย </a:t>
             </a:r>
             <a:r>
-              <a:rPr lang="en-US" dirty="0" err="1" smtClean="0"/>
-              <a:t>sudo</a:t>
-            </a:r>
-            <a:r>
               <a:rPr lang="en-US" dirty="0" smtClean="0"/>
-              <a:t> mv app.js </a:t>
+              <a:t>sudo mv app.js </a:t>
             </a:r>
             <a:r>
               <a:rPr lang="en-US" dirty="0" err="1" smtClean="0"/>
@@ -10312,24 +10224,14 @@
               <a:t>จะต้องสั่งด้วย </a:t>
             </a:r>
             <a:r>
-              <a:rPr lang="en-US" sz="2000" dirty="0" err="1">
+              <a:rPr lang="en-US" sz="2000" dirty="0">
                 <a:solidFill>
                   <a:srgbClr val="C00000"/>
                 </a:solidFill>
                 <a:latin typeface="Tahoma" panose="020B0604030504040204" pitchFamily="34" charset="0"/>
                 <a:ea typeface="Tahoma" panose="020B0604030504040204" pitchFamily="34" charset="0"/>
               </a:rPr>
-              <a:t>sudo</a:t>
-            </a:r>
-            <a:r>
-              <a:rPr lang="en-US" sz="2000" dirty="0">
-                <a:solidFill>
-                  <a:srgbClr val="C00000"/>
-                </a:solidFill>
-                <a:latin typeface="Tahoma" panose="020B0604030504040204" pitchFamily="34" charset="0"/>
-                <a:ea typeface="Tahoma" panose="020B0604030504040204" pitchFamily="34" charset="0"/>
-              </a:rPr>
-              <a:t> forever start app.js </a:t>
+              <a:t>sudo forever start app.js </a:t>
             </a:r>
             <a:endParaRPr lang="en-US" sz="1600" dirty="0">
               <a:solidFill>
@@ -10478,7 +10380,7 @@
         <p:spPr>
           <a:xfrm>
             <a:off x="914400" y="2366127"/>
-            <a:ext cx="9268858" cy="3139321"/>
+            <a:ext cx="9268858" cy="3416320"/>
           </a:xfrm>
           <a:prstGeom prst="rect">
             <a:avLst/>
@@ -10506,15 +10408,7 @@
           <a:p>
             <a:r>
               <a:rPr lang="en-US" dirty="0"/>
-              <a:t>$ </a:t>
-            </a:r>
-            <a:r>
-              <a:rPr lang="en-US" dirty="0" err="1"/>
-              <a:t>sudo</a:t>
-            </a:r>
-            <a:r>
-              <a:rPr lang="en-US" dirty="0"/>
-              <a:t> forever list</a:t>
+              <a:t>$ sudo forever list</a:t>
             </a:r>
           </a:p>
           <a:p>
@@ -10533,15 +10427,7 @@
           <a:p>
             <a:r>
               <a:rPr lang="en-US" dirty="0" smtClean="0"/>
-              <a:t>$ </a:t>
-            </a:r>
-            <a:r>
-              <a:rPr lang="en-US" dirty="0" err="1" smtClean="0"/>
-              <a:t>sudo</a:t>
-            </a:r>
-            <a:r>
-              <a:rPr lang="en-US" dirty="0" smtClean="0"/>
-              <a:t> forever start (</a:t>
+              <a:t>$ sudo forever start (</a:t>
             </a:r>
             <a:r>
               <a:rPr lang="th-TH" dirty="0" smtClean="0"/>
@@ -10572,15 +10458,7 @@
           <a:p>
             <a:r>
               <a:rPr lang="en-US" dirty="0"/>
-              <a:t>$ </a:t>
-            </a:r>
-            <a:r>
-              <a:rPr lang="en-US" dirty="0" err="1"/>
-              <a:t>sudo</a:t>
-            </a:r>
-            <a:r>
-              <a:rPr lang="en-US" dirty="0"/>
-              <a:t> forever </a:t>
+              <a:t>$ sudo forever </a:t>
             </a:r>
             <a:r>
               <a:rPr lang="en-US" dirty="0" smtClean="0"/>
@@ -10677,6 +10555,77 @@
                 </a:solidFill>
               </a:rPr>
               <a:t>ใหม่</a:t>
+            </a:r>
+            <a:endParaRPr lang="en-US" dirty="0" smtClean="0">
+              <a:solidFill>
+                <a:srgbClr val="C00000"/>
+              </a:solidFill>
+            </a:endParaRPr>
+          </a:p>
+          <a:p>
+            <a:r>
+              <a:rPr lang="en-US" dirty="0" smtClean="0">
+                <a:solidFill>
+                  <a:srgbClr val="C00000"/>
+                </a:solidFill>
+              </a:rPr>
+              <a:t>** </a:t>
+            </a:r>
+            <a:r>
+              <a:rPr lang="th-TH" dirty="0" smtClean="0">
+                <a:solidFill>
+                  <a:srgbClr val="C00000"/>
+                </a:solidFill>
+              </a:rPr>
+              <a:t>การสั่งงาน </a:t>
+            </a:r>
+            <a:r>
+              <a:rPr lang="en-US" dirty="0" smtClean="0">
+                <a:solidFill>
+                  <a:srgbClr val="C00000"/>
+                </a:solidFill>
+              </a:rPr>
+              <a:t>forever </a:t>
+            </a:r>
+            <a:r>
+              <a:rPr lang="th-TH" dirty="0" smtClean="0">
+                <a:solidFill>
+                  <a:srgbClr val="C00000"/>
+                </a:solidFill>
+              </a:rPr>
+              <a:t>ถ้าใช้ </a:t>
+            </a:r>
+            <a:r>
+              <a:rPr lang="en-US" dirty="0" smtClean="0">
+                <a:solidFill>
+                  <a:srgbClr val="C00000"/>
+                </a:solidFill>
+              </a:rPr>
+              <a:t>sudo </a:t>
+            </a:r>
+            <a:r>
+              <a:rPr lang="th-TH" dirty="0" smtClean="0">
+                <a:solidFill>
+                  <a:srgbClr val="C00000"/>
+                </a:solidFill>
+              </a:rPr>
+              <a:t>กับไม่ใช้มีผล ต่างกัน เนื่องจาก ระบบ จะมองว่าเป็นคนละ </a:t>
+            </a:r>
+            <a:r>
+              <a:rPr lang="en-US" dirty="0" smtClean="0">
+                <a:solidFill>
+                  <a:srgbClr val="C00000"/>
+                </a:solidFill>
+              </a:rPr>
+              <a:t>Transection </a:t>
+            </a:r>
+            <a:r>
+              <a:rPr lang="th-TH" dirty="0" smtClean="0">
+                <a:solidFill>
+                  <a:srgbClr val="C00000"/>
+                </a:solidFill>
+              </a:rPr>
+              <a:t>ดังนั้นควรระวังข้อนี้ด้วย</a:t>
             </a:r>
             <a:endParaRPr lang="en-US" dirty="0">
               <a:solidFill>
@@ -10759,24 +10708,14 @@
               <a:t>ทดสอบการติดต่อกับ </a:t>
             </a:r>
             <a:r>
-              <a:rPr lang="en-US" sz="2800" dirty="0" err="1" smtClean="0">
+              <a:rPr lang="en-US" sz="2800" dirty="0" smtClean="0">
                 <a:solidFill>
                   <a:srgbClr val="000000"/>
                 </a:solidFill>
                 <a:latin typeface="Tahoma" panose="020B0604030504040204" pitchFamily="34" charset="0"/>
                 <a:ea typeface="Tahoma" panose="020B0604030504040204" pitchFamily="34" charset="0"/>
               </a:rPr>
-              <a:t>Api</a:t>
-            </a:r>
-            <a:r>
-              <a:rPr lang="en-US" sz="2800" dirty="0" smtClean="0">
-                <a:solidFill>
-                  <a:srgbClr val="000000"/>
-                </a:solidFill>
-                <a:latin typeface="Tahoma" panose="020B0604030504040204" pitchFamily="34" charset="0"/>
-                <a:ea typeface="Tahoma" panose="020B0604030504040204" pitchFamily="34" charset="0"/>
-              </a:rPr>
-              <a:t> </a:t>
+              <a:t>Api </a:t>
             </a:r>
             <a:r>
               <a:rPr lang="th-TH" sz="2800" dirty="0" smtClean="0">
@@ -11044,24 +10983,14 @@
               <a:t>ทดสอบการติดต่อกับ </a:t>
             </a:r>
             <a:r>
-              <a:rPr lang="en-US" sz="2800" dirty="0" err="1" smtClean="0">
+              <a:rPr lang="en-US" sz="2800" dirty="0" smtClean="0">
                 <a:solidFill>
                   <a:srgbClr val="000000"/>
                 </a:solidFill>
                 <a:latin typeface="Tahoma" panose="020B0604030504040204" pitchFamily="34" charset="0"/>
                 <a:ea typeface="Tahoma" panose="020B0604030504040204" pitchFamily="34" charset="0"/>
               </a:rPr>
-              <a:t>Api</a:t>
-            </a:r>
-            <a:r>
-              <a:rPr lang="en-US" sz="2800" dirty="0" smtClean="0">
-                <a:solidFill>
-                  <a:srgbClr val="000000"/>
-                </a:solidFill>
-                <a:latin typeface="Tahoma" panose="020B0604030504040204" pitchFamily="34" charset="0"/>
-                <a:ea typeface="Tahoma" panose="020B0604030504040204" pitchFamily="34" charset="0"/>
-              </a:rPr>
-              <a:t> </a:t>
+              <a:t>Api </a:t>
             </a:r>
             <a:r>
               <a:rPr lang="th-TH" sz="2800" dirty="0" smtClean="0">
@@ -11459,24 +11388,14 @@
               <a:t>สร้าง การเชื่อมต่อกับ </a:t>
             </a:r>
             <a:r>
-              <a:rPr lang="en-US" sz="2800" dirty="0" err="1" smtClean="0">
+              <a:rPr lang="en-US" sz="2800" dirty="0" smtClean="0">
                 <a:solidFill>
                   <a:srgbClr val="000000"/>
                 </a:solidFill>
                 <a:latin typeface="Tahoma" panose="020B0604030504040204" pitchFamily="34" charset="0"/>
                 <a:ea typeface="Tahoma" panose="020B0604030504040204" pitchFamily="34" charset="0"/>
               </a:rPr>
-              <a:t>Api</a:t>
-            </a:r>
-            <a:r>
-              <a:rPr lang="en-US" sz="2800" dirty="0" smtClean="0">
-                <a:solidFill>
-                  <a:srgbClr val="000000"/>
-                </a:solidFill>
-                <a:latin typeface="Tahoma" panose="020B0604030504040204" pitchFamily="34" charset="0"/>
-                <a:ea typeface="Tahoma" panose="020B0604030504040204" pitchFamily="34" charset="0"/>
-              </a:rPr>
-              <a:t> </a:t>
+              <a:t>Api </a:t>
             </a:r>
             <a:r>
               <a:rPr lang="th-TH" sz="2800" dirty="0" smtClean="0">
@@ -11531,6 +11450,11 @@
           <a:prstGeom prst="rect">
             <a:avLst/>
           </a:prstGeom>
+          <a:ln>
+            <a:solidFill>
+              <a:srgbClr val="FF0000"/>
+            </a:solidFill>
+          </a:ln>
         </p:spPr>
       </p:pic>
       <p:pic>
@@ -11555,6 +11479,11 @@
           <a:prstGeom prst="rect">
             <a:avLst/>
           </a:prstGeom>
+          <a:ln>
+            <a:solidFill>
+              <a:srgbClr val="FF0000"/>
+            </a:solidFill>
+          </a:ln>
         </p:spPr>
       </p:pic>
       <p:sp>
@@ -11753,6 +11682,519 @@
     <p:extLst>
       <p:ext uri="{BB962C8B-B14F-4D97-AF65-F5344CB8AC3E}">
         <p14:creationId xmlns:p14="http://schemas.microsoft.com/office/powerpoint/2010/main" val="372130837"/>
+      </p:ext>
+    </p:extLst>
+  </p:cSld>
+  <p:clrMapOvr>
+    <a:masterClrMapping/>
+  </p:clrMapOvr>
+</p:sld>
+</file>
+
+<file path=ppt/slides/slide30.xml><?xml version="1.0" encoding="utf-8"?>
+<p:sld xmlns:a="http://schemas.openxmlformats.org/drawingml/2006/main" xmlns:r="http://schemas.openxmlformats.org/officeDocument/2006/relationships" xmlns:p="http://schemas.openxmlformats.org/presentationml/2006/main">
+  <p:cSld>
+    <p:spTree>
+      <p:nvGrpSpPr>
+        <p:cNvPr id="1" name=""/>
+        <p:cNvGrpSpPr/>
+        <p:nvPr/>
+      </p:nvGrpSpPr>
+      <p:grpSpPr>
+        <a:xfrm>
+          <a:off x="0" y="0"/>
+          <a:ext cx="0" cy="0"/>
+          <a:chOff x="0" y="0"/>
+          <a:chExt cx="0" cy="0"/>
+        </a:xfrm>
+      </p:grpSpPr>
+      <p:sp>
+        <p:nvSpPr>
+          <p:cNvPr id="2" name="Rectangle 476"/>
+          <p:cNvSpPr/>
+          <p:nvPr/>
+        </p:nvSpPr>
+        <p:spPr>
+          <a:xfrm>
+            <a:off x="914400" y="383731"/>
+            <a:ext cx="8496522" cy="328232"/>
+          </a:xfrm>
+          <a:prstGeom prst="rect">
+            <a:avLst/>
+          </a:prstGeom>
+          <a:ln>
+            <a:noFill/>
+          </a:ln>
+        </p:spPr>
+        <p:txBody>
+          <a:bodyPr vert="horz" lIns="0" tIns="0" rIns="0" bIns="0" rtlCol="0">
+            <a:noAutofit/>
+          </a:bodyPr>
+          <a:lstStyle/>
+          <a:p>
+            <a:pPr>
+              <a:lnSpc>
+                <a:spcPct val="107000"/>
+              </a:lnSpc>
+              <a:spcAft>
+                <a:spcPts val="800"/>
+              </a:spcAft>
+            </a:pPr>
+            <a:r>
+              <a:rPr lang="en-US" sz="2800" dirty="0" smtClean="0">
+                <a:solidFill>
+                  <a:srgbClr val="000000"/>
+                </a:solidFill>
+                <a:latin typeface="Tahoma" panose="020B0604030504040204" pitchFamily="34" charset="0"/>
+                <a:ea typeface="Tahoma" panose="020B0604030504040204" pitchFamily="34" charset="0"/>
+              </a:rPr>
+              <a:t>*** </a:t>
+            </a:r>
+            <a:r>
+              <a:rPr lang="th-TH" sz="2800" dirty="0" smtClean="0">
+                <a:solidFill>
+                  <a:srgbClr val="000000"/>
+                </a:solidFill>
+                <a:latin typeface="Tahoma" panose="020B0604030504040204" pitchFamily="34" charset="0"/>
+                <a:ea typeface="Tahoma" panose="020B0604030504040204" pitchFamily="34" charset="0"/>
+              </a:rPr>
+              <a:t>สร้าง การเชื่อมต่อกับ </a:t>
+            </a:r>
+            <a:r>
+              <a:rPr lang="en-US" sz="2800" dirty="0" smtClean="0">
+                <a:solidFill>
+                  <a:srgbClr val="000000"/>
+                </a:solidFill>
+                <a:latin typeface="Tahoma" panose="020B0604030504040204" pitchFamily="34" charset="0"/>
+                <a:ea typeface="Tahoma" panose="020B0604030504040204" pitchFamily="34" charset="0"/>
+              </a:rPr>
+              <a:t>Api </a:t>
+            </a:r>
+            <a:r>
+              <a:rPr lang="th-TH" sz="2800" dirty="0" smtClean="0">
+                <a:solidFill>
+                  <a:srgbClr val="000000"/>
+                </a:solidFill>
+                <a:latin typeface="Tahoma" panose="020B0604030504040204" pitchFamily="34" charset="0"/>
+                <a:ea typeface="Tahoma" panose="020B0604030504040204" pitchFamily="34" charset="0"/>
+              </a:rPr>
+              <a:t>ด้วย </a:t>
+            </a:r>
+            <a:r>
+              <a:rPr lang="en-US" sz="2800" dirty="0" smtClean="0">
+                <a:solidFill>
+                  <a:srgbClr val="000000"/>
+                </a:solidFill>
+                <a:latin typeface="Tahoma" panose="020B0604030504040204" pitchFamily="34" charset="0"/>
+                <a:ea typeface="Tahoma" panose="020B0604030504040204" pitchFamily="34" charset="0"/>
+              </a:rPr>
+              <a:t>UDP Service</a:t>
+            </a:r>
+            <a:endParaRPr lang="en-US" sz="2000" dirty="0">
+              <a:solidFill>
+                <a:srgbClr val="000000"/>
+              </a:solidFill>
+              <a:effectLst/>
+              <a:latin typeface="Calibri" panose="020F0502020204030204" pitchFamily="34" charset="0"/>
+              <a:ea typeface="Calibri" panose="020F0502020204030204" pitchFamily="34" charset="0"/>
+            </a:endParaRPr>
+          </a:p>
+        </p:txBody>
+      </p:sp>
+      <p:sp>
+        <p:nvSpPr>
+          <p:cNvPr id="10" name="สี่เหลี่ยมผืนผ้า 9"/>
+          <p:cNvSpPr/>
+          <p:nvPr/>
+        </p:nvSpPr>
+        <p:spPr>
+          <a:xfrm>
+            <a:off x="914400" y="914608"/>
+            <a:ext cx="9268858" cy="369332"/>
+          </a:xfrm>
+          <a:prstGeom prst="rect">
+            <a:avLst/>
+          </a:prstGeom>
+        </p:spPr>
+        <p:txBody>
+          <a:bodyPr wrap="square">
+            <a:spAutoFit/>
+          </a:bodyPr>
+          <a:lstStyle/>
+          <a:p>
+            <a:r>
+              <a:rPr lang="th-TH" dirty="0" smtClean="0"/>
+              <a:t>1. </a:t>
+            </a:r>
+            <a:r>
+              <a:rPr lang="en-US" dirty="0" smtClean="0"/>
+              <a:t>Upload file “udp.js” </a:t>
+            </a:r>
+            <a:r>
+              <a:rPr lang="th-TH" dirty="0" smtClean="0"/>
+              <a:t>ขึ้นระบบ และย้ายไปไว้ที่ </a:t>
+            </a:r>
+            <a:r>
+              <a:rPr lang="en-US" dirty="0"/>
+              <a:t>Folder </a:t>
+            </a:r>
+            <a:r>
+              <a:rPr lang="en-US" dirty="0" err="1"/>
+              <a:t>myprotocol</a:t>
+            </a:r>
+            <a:endParaRPr lang="en-US" dirty="0">
+              <a:solidFill>
+                <a:srgbClr val="C00000"/>
+              </a:solidFill>
+            </a:endParaRPr>
+          </a:p>
+        </p:txBody>
+      </p:sp>
+      <p:pic>
+        <p:nvPicPr>
+          <p:cNvPr id="5" name="รูปภาพ 4"/>
+          <p:cNvPicPr>
+            <a:picLocks noChangeAspect="1"/>
+          </p:cNvPicPr>
+          <p:nvPr/>
+        </p:nvPicPr>
+        <p:blipFill>
+          <a:blip r:embed="rId2"/>
+          <a:stretch>
+            <a:fillRect/>
+          </a:stretch>
+        </p:blipFill>
+        <p:spPr>
+          <a:xfrm>
+            <a:off x="914400" y="1283940"/>
+            <a:ext cx="4190683" cy="2843044"/>
+          </a:xfrm>
+          <a:prstGeom prst="rect">
+            <a:avLst/>
+          </a:prstGeom>
+        </p:spPr>
+      </p:pic>
+      <p:sp>
+        <p:nvSpPr>
+          <p:cNvPr id="9" name="ลูกศรขวา 8"/>
+          <p:cNvSpPr/>
+          <p:nvPr/>
+        </p:nvSpPr>
+        <p:spPr>
+          <a:xfrm rot="19451754">
+            <a:off x="1605548" y="2251693"/>
+            <a:ext cx="364598" cy="275422"/>
+          </a:xfrm>
+          <a:prstGeom prst="rightArrow">
+            <a:avLst/>
+          </a:prstGeom>
+          <a:solidFill>
+            <a:srgbClr val="00B050"/>
+          </a:solidFill>
+        </p:spPr>
+        <p:style>
+          <a:lnRef idx="2">
+            <a:schemeClr val="accent1">
+              <a:shade val="50000"/>
+            </a:schemeClr>
+          </a:lnRef>
+          <a:fillRef idx="1">
+            <a:schemeClr val="accent1"/>
+          </a:fillRef>
+          <a:effectRef idx="0">
+            <a:schemeClr val="accent1"/>
+          </a:effectRef>
+          <a:fontRef idx="minor">
+            <a:schemeClr val="lt1"/>
+          </a:fontRef>
+        </p:style>
+        <p:txBody>
+          <a:bodyPr rtlCol="0" anchor="ctr"/>
+          <a:lstStyle/>
+          <a:p>
+            <a:pPr algn="ctr"/>
+            <a:endParaRPr lang="en-US"/>
+          </a:p>
+        </p:txBody>
+      </p:sp>
+      <p:pic>
+        <p:nvPicPr>
+          <p:cNvPr id="7" name="รูปภาพ 6"/>
+          <p:cNvPicPr>
+            <a:picLocks noChangeAspect="1"/>
+          </p:cNvPicPr>
+          <p:nvPr/>
+        </p:nvPicPr>
+        <p:blipFill>
+          <a:blip r:embed="rId3"/>
+          <a:stretch>
+            <a:fillRect/>
+          </a:stretch>
+        </p:blipFill>
+        <p:spPr>
+          <a:xfrm>
+            <a:off x="5906188" y="1357997"/>
+            <a:ext cx="4610100" cy="257175"/>
+          </a:xfrm>
+          <a:prstGeom prst="rect">
+            <a:avLst/>
+          </a:prstGeom>
+        </p:spPr>
+      </p:pic>
+      <p:sp>
+        <p:nvSpPr>
+          <p:cNvPr id="12" name="สี่เหลี่ยมผืนผ้า 11"/>
+          <p:cNvSpPr/>
+          <p:nvPr/>
+        </p:nvSpPr>
+        <p:spPr>
+          <a:xfrm>
+            <a:off x="914400" y="4332608"/>
+            <a:ext cx="9268858" cy="923330"/>
+          </a:xfrm>
+          <a:prstGeom prst="rect">
+            <a:avLst/>
+          </a:prstGeom>
+        </p:spPr>
+        <p:txBody>
+          <a:bodyPr wrap="square">
+            <a:spAutoFit/>
+          </a:bodyPr>
+          <a:lstStyle/>
+          <a:p>
+            <a:r>
+              <a:rPr lang="th-TH" dirty="0" smtClean="0"/>
+              <a:t>2. สั่ง </a:t>
+            </a:r>
+            <a:r>
+              <a:rPr lang="en-US" dirty="0" smtClean="0"/>
+              <a:t>run script </a:t>
+            </a:r>
+            <a:r>
+              <a:rPr lang="th-TH" dirty="0" smtClean="0"/>
+              <a:t>ด้วยคำสั่ง </a:t>
+            </a:r>
+            <a:endParaRPr lang="en-US" dirty="0" smtClean="0"/>
+          </a:p>
+          <a:p>
+            <a:r>
+              <a:rPr lang="en-US" dirty="0" smtClean="0"/>
+              <a:t>$ node udp.js</a:t>
+            </a:r>
+          </a:p>
+          <a:p>
+            <a:r>
+              <a:rPr lang="th-TH" dirty="0"/>
+              <a:t>3. จะพบ คำสั่ง ที่เรากำหนดไว้ใน </a:t>
+            </a:r>
+            <a:r>
+              <a:rPr lang="en-US" dirty="0" smtClean="0"/>
+              <a:t>script</a:t>
+            </a:r>
+            <a:endParaRPr lang="en-US" dirty="0"/>
+          </a:p>
+        </p:txBody>
+      </p:sp>
+      <p:pic>
+        <p:nvPicPr>
+          <p:cNvPr id="8" name="รูปภาพ 7"/>
+          <p:cNvPicPr>
+            <a:picLocks noChangeAspect="1"/>
+          </p:cNvPicPr>
+          <p:nvPr/>
+        </p:nvPicPr>
+        <p:blipFill>
+          <a:blip r:embed="rId4"/>
+          <a:stretch>
+            <a:fillRect/>
+          </a:stretch>
+        </p:blipFill>
+        <p:spPr>
+          <a:xfrm>
+            <a:off x="914400" y="5508101"/>
+            <a:ext cx="4981575" cy="647700"/>
+          </a:xfrm>
+          <a:prstGeom prst="rect">
+            <a:avLst/>
+          </a:prstGeom>
+        </p:spPr>
+      </p:pic>
+    </p:spTree>
+    <p:extLst>
+      <p:ext uri="{BB962C8B-B14F-4D97-AF65-F5344CB8AC3E}">
+        <p14:creationId xmlns:p14="http://schemas.microsoft.com/office/powerpoint/2010/main" val="1524373252"/>
+      </p:ext>
+    </p:extLst>
+  </p:cSld>
+  <p:clrMapOvr>
+    <a:masterClrMapping/>
+  </p:clrMapOvr>
+</p:sld>
+</file>
+
+<file path=ppt/slides/slide31.xml><?xml version="1.0" encoding="utf-8"?>
+<p:sld xmlns:a="http://schemas.openxmlformats.org/drawingml/2006/main" xmlns:r="http://schemas.openxmlformats.org/officeDocument/2006/relationships" xmlns:p="http://schemas.openxmlformats.org/presentationml/2006/main">
+  <p:cSld>
+    <p:spTree>
+      <p:nvGrpSpPr>
+        <p:cNvPr id="1" name=""/>
+        <p:cNvGrpSpPr/>
+        <p:nvPr/>
+      </p:nvGrpSpPr>
+      <p:grpSpPr>
+        <a:xfrm>
+          <a:off x="0" y="0"/>
+          <a:ext cx="0" cy="0"/>
+          <a:chOff x="0" y="0"/>
+          <a:chExt cx="0" cy="0"/>
+        </a:xfrm>
+      </p:grpSpPr>
+      <p:sp>
+        <p:nvSpPr>
+          <p:cNvPr id="2" name="Rectangle 476"/>
+          <p:cNvSpPr/>
+          <p:nvPr/>
+        </p:nvSpPr>
+        <p:spPr>
+          <a:xfrm>
+            <a:off x="914400" y="383731"/>
+            <a:ext cx="8496522" cy="328232"/>
+          </a:xfrm>
+          <a:prstGeom prst="rect">
+            <a:avLst/>
+          </a:prstGeom>
+          <a:ln>
+            <a:noFill/>
+          </a:ln>
+        </p:spPr>
+        <p:txBody>
+          <a:bodyPr vert="horz" lIns="0" tIns="0" rIns="0" bIns="0" rtlCol="0">
+            <a:noAutofit/>
+          </a:bodyPr>
+          <a:lstStyle/>
+          <a:p>
+            <a:pPr>
+              <a:lnSpc>
+                <a:spcPct val="107000"/>
+              </a:lnSpc>
+              <a:spcAft>
+                <a:spcPts val="800"/>
+              </a:spcAft>
+            </a:pPr>
+            <a:r>
+              <a:rPr lang="en-US" sz="2800" dirty="0" smtClean="0">
+                <a:solidFill>
+                  <a:srgbClr val="000000"/>
+                </a:solidFill>
+                <a:latin typeface="Tahoma" panose="020B0604030504040204" pitchFamily="34" charset="0"/>
+                <a:ea typeface="Tahoma" panose="020B0604030504040204" pitchFamily="34" charset="0"/>
+              </a:rPr>
+              <a:t>*** </a:t>
+            </a:r>
+            <a:r>
+              <a:rPr lang="th-TH" sz="2800" dirty="0" smtClean="0">
+                <a:solidFill>
+                  <a:srgbClr val="000000"/>
+                </a:solidFill>
+                <a:latin typeface="Tahoma" panose="020B0604030504040204" pitchFamily="34" charset="0"/>
+                <a:ea typeface="Tahoma" panose="020B0604030504040204" pitchFamily="34" charset="0"/>
+              </a:rPr>
+              <a:t>สร้าง การเชื่อมต่อกับ </a:t>
+            </a:r>
+            <a:r>
+              <a:rPr lang="en-US" sz="2800" dirty="0" smtClean="0">
+                <a:solidFill>
+                  <a:srgbClr val="000000"/>
+                </a:solidFill>
+                <a:latin typeface="Tahoma" panose="020B0604030504040204" pitchFamily="34" charset="0"/>
+                <a:ea typeface="Tahoma" panose="020B0604030504040204" pitchFamily="34" charset="0"/>
+              </a:rPr>
+              <a:t>Api </a:t>
+            </a:r>
+            <a:r>
+              <a:rPr lang="th-TH" sz="2800" dirty="0" smtClean="0">
+                <a:solidFill>
+                  <a:srgbClr val="000000"/>
+                </a:solidFill>
+                <a:latin typeface="Tahoma" panose="020B0604030504040204" pitchFamily="34" charset="0"/>
+                <a:ea typeface="Tahoma" panose="020B0604030504040204" pitchFamily="34" charset="0"/>
+              </a:rPr>
+              <a:t>ด้วย </a:t>
+            </a:r>
+            <a:r>
+              <a:rPr lang="en-US" sz="2800" dirty="0" smtClean="0">
+                <a:solidFill>
+                  <a:srgbClr val="000000"/>
+                </a:solidFill>
+                <a:latin typeface="Tahoma" panose="020B0604030504040204" pitchFamily="34" charset="0"/>
+                <a:ea typeface="Tahoma" panose="020B0604030504040204" pitchFamily="34" charset="0"/>
+              </a:rPr>
+              <a:t>UDP Service</a:t>
+            </a:r>
+            <a:endParaRPr lang="en-US" sz="2000" dirty="0">
+              <a:solidFill>
+                <a:srgbClr val="000000"/>
+              </a:solidFill>
+              <a:effectLst/>
+              <a:latin typeface="Calibri" panose="020F0502020204030204" pitchFamily="34" charset="0"/>
+              <a:ea typeface="Calibri" panose="020F0502020204030204" pitchFamily="34" charset="0"/>
+            </a:endParaRPr>
+          </a:p>
+        </p:txBody>
+      </p:sp>
+      <p:sp>
+        <p:nvSpPr>
+          <p:cNvPr id="10" name="สี่เหลี่ยมผืนผ้า 9"/>
+          <p:cNvSpPr/>
+          <p:nvPr/>
+        </p:nvSpPr>
+        <p:spPr>
+          <a:xfrm>
+            <a:off x="914400" y="914608"/>
+            <a:ext cx="9268858" cy="369332"/>
+          </a:xfrm>
+          <a:prstGeom prst="rect">
+            <a:avLst/>
+          </a:prstGeom>
+        </p:spPr>
+        <p:txBody>
+          <a:bodyPr wrap="square">
+            <a:spAutoFit/>
+          </a:bodyPr>
+          <a:lstStyle/>
+          <a:p>
+            <a:r>
+              <a:rPr lang="th-TH" dirty="0" smtClean="0"/>
+              <a:t>1.</a:t>
+            </a:r>
+            <a:r>
+              <a:rPr lang="en-US" dirty="0" smtClean="0"/>
+              <a:t> </a:t>
+            </a:r>
+            <a:r>
+              <a:rPr lang="th-TH" dirty="0" smtClean="0"/>
+              <a:t>ทดสอบ การนำข้อมูลขึ้น </a:t>
+            </a:r>
+            <a:r>
+              <a:rPr lang="th-TH" dirty="0" smtClean="0"/>
+              <a:t>ระบบ ด้วยโปรแกรม เช่น </a:t>
+            </a:r>
+            <a:r>
+              <a:rPr lang="en-US" dirty="0" smtClean="0"/>
+              <a:t>SocketTest</a:t>
+            </a:r>
+            <a:endParaRPr lang="en-US" dirty="0">
+              <a:solidFill>
+                <a:srgbClr val="C00000"/>
+              </a:solidFill>
+            </a:endParaRPr>
+          </a:p>
+        </p:txBody>
+      </p:sp>
+    </p:spTree>
+    <p:extLst>
+      <p:ext uri="{BB962C8B-B14F-4D97-AF65-F5344CB8AC3E}">
+        <p14:creationId xmlns:p14="http://schemas.microsoft.com/office/powerpoint/2010/main" val="3715817680"/>
       </p:ext>
     </p:extLst>
   </p:cSld>

--- a/Documents/LoRaIOTGoogleCoudPlatform.pptx
+++ b/Documents/LoRaIOTGoogleCoudPlatform.pptx
@@ -36,6 +36,11 @@
     <p:sldId id="286" r:id="rId30"/>
     <p:sldId id="287" r:id="rId31"/>
     <p:sldId id="288" r:id="rId32"/>
+    <p:sldId id="289" r:id="rId33"/>
+    <p:sldId id="290" r:id="rId34"/>
+    <p:sldId id="291" r:id="rId35"/>
+    <p:sldId id="292" r:id="rId36"/>
+    <p:sldId id="293" r:id="rId37"/>
   </p:sldIdLst>
   <p:sldSz cx="12192000" cy="6858000"/>
   <p:notesSz cx="6858000" cy="9144000"/>
@@ -273,7 +278,7 @@
           <a:p>
             <a:fld id="{5F699D2E-A641-4EB9-9639-F07BD6549959}" type="datetimeFigureOut">
               <a:rPr lang="en-US" smtClean="0"/>
-              <a:t>8/20/2019</a:t>
+              <a:t>8/21/2019</a:t>
             </a:fld>
             <a:endParaRPr lang="en-US"/>
           </a:p>
@@ -443,7 +448,7 @@
           <a:p>
             <a:fld id="{5F699D2E-A641-4EB9-9639-F07BD6549959}" type="datetimeFigureOut">
               <a:rPr lang="en-US" smtClean="0"/>
-              <a:t>8/20/2019</a:t>
+              <a:t>8/21/2019</a:t>
             </a:fld>
             <a:endParaRPr lang="en-US"/>
           </a:p>
@@ -623,7 +628,7 @@
           <a:p>
             <a:fld id="{5F699D2E-A641-4EB9-9639-F07BD6549959}" type="datetimeFigureOut">
               <a:rPr lang="en-US" smtClean="0"/>
-              <a:t>8/20/2019</a:t>
+              <a:t>8/21/2019</a:t>
             </a:fld>
             <a:endParaRPr lang="en-US"/>
           </a:p>
@@ -1028,7 +1033,7 @@
           <a:p>
             <a:fld id="{5F699D2E-A641-4EB9-9639-F07BD6549959}" type="datetimeFigureOut">
               <a:rPr lang="en-US" smtClean="0"/>
-              <a:t>8/20/2019</a:t>
+              <a:t>8/21/2019</a:t>
             </a:fld>
             <a:endParaRPr lang="en-US"/>
           </a:p>
@@ -1260,7 +1265,7 @@
           <a:p>
             <a:fld id="{5F699D2E-A641-4EB9-9639-F07BD6549959}" type="datetimeFigureOut">
               <a:rPr lang="en-US" smtClean="0"/>
-              <a:t>8/20/2019</a:t>
+              <a:t>8/21/2019</a:t>
             </a:fld>
             <a:endParaRPr lang="en-US"/>
           </a:p>
@@ -1627,7 +1632,7 @@
           <a:p>
             <a:fld id="{5F699D2E-A641-4EB9-9639-F07BD6549959}" type="datetimeFigureOut">
               <a:rPr lang="en-US" smtClean="0"/>
-              <a:t>8/20/2019</a:t>
+              <a:t>8/21/2019</a:t>
             </a:fld>
             <a:endParaRPr lang="en-US"/>
           </a:p>
@@ -1745,7 +1750,7 @@
           <a:p>
             <a:fld id="{5F699D2E-A641-4EB9-9639-F07BD6549959}" type="datetimeFigureOut">
               <a:rPr lang="en-US" smtClean="0"/>
-              <a:t>8/20/2019</a:t>
+              <a:t>8/21/2019</a:t>
             </a:fld>
             <a:endParaRPr lang="en-US"/>
           </a:p>
@@ -1840,7 +1845,7 @@
           <a:p>
             <a:fld id="{5F699D2E-A641-4EB9-9639-F07BD6549959}" type="datetimeFigureOut">
               <a:rPr lang="en-US" smtClean="0"/>
-              <a:t>8/20/2019</a:t>
+              <a:t>8/21/2019</a:t>
             </a:fld>
             <a:endParaRPr lang="en-US"/>
           </a:p>
@@ -2117,7 +2122,7 @@
           <a:p>
             <a:fld id="{5F699D2E-A641-4EB9-9639-F07BD6549959}" type="datetimeFigureOut">
               <a:rPr lang="en-US" smtClean="0"/>
-              <a:t>8/20/2019</a:t>
+              <a:t>8/21/2019</a:t>
             </a:fld>
             <a:endParaRPr lang="en-US"/>
           </a:p>
@@ -2370,7 +2375,7 @@
           <a:p>
             <a:fld id="{5F699D2E-A641-4EB9-9639-F07BD6549959}" type="datetimeFigureOut">
               <a:rPr lang="en-US" smtClean="0"/>
-              <a:t>8/20/2019</a:t>
+              <a:t>8/21/2019</a:t>
             </a:fld>
             <a:endParaRPr lang="en-US"/>
           </a:p>
@@ -2583,7 +2588,7 @@
           <a:p>
             <a:fld id="{5F699D2E-A641-4EB9-9639-F07BD6549959}" type="datetimeFigureOut">
               <a:rPr lang="en-US" smtClean="0"/>
-              <a:t>8/20/2019</a:t>
+              <a:t>8/21/2019</a:t>
             </a:fld>
             <a:endParaRPr lang="en-US"/>
           </a:p>
@@ -12049,6 +12054,30 @@
           <a:chExt cx="0" cy="0"/>
         </a:xfrm>
       </p:grpSpPr>
+      <p:pic>
+        <p:nvPicPr>
+          <p:cNvPr id="7" name="รูปภาพ 6"/>
+          <p:cNvPicPr>
+            <a:picLocks noChangeAspect="1"/>
+          </p:cNvPicPr>
+          <p:nvPr/>
+        </p:nvPicPr>
+        <p:blipFill>
+          <a:blip r:embed="rId2"/>
+          <a:stretch>
+            <a:fillRect/>
+          </a:stretch>
+        </p:blipFill>
+        <p:spPr>
+          <a:xfrm>
+            <a:off x="914401" y="1283939"/>
+            <a:ext cx="3109968" cy="2619201"/>
+          </a:xfrm>
+          <a:prstGeom prst="rect">
+            <a:avLst/>
+          </a:prstGeom>
+        </p:spPr>
+      </p:pic>
       <p:sp>
         <p:nvSpPr>
           <p:cNvPr id="2" name="Rectangle 476"/>
@@ -12173,21 +12202,221 @@
             </a:r>
             <a:r>
               <a:rPr lang="th-TH" dirty="0" smtClean="0"/>
-              <a:t>ทดสอบ การนำข้อมูลขึ้น </a:t>
-            </a:r>
-            <a:r>
-              <a:rPr lang="th-TH" dirty="0" smtClean="0"/>
-              <a:t>ระบบ ด้วยโปรแกรม เช่น </a:t>
+              <a:t>ทดสอบ การนำข้อมูลขึ้น ระบบ ด้วยโปรแกรม เช่น </a:t>
             </a:r>
             <a:r>
               <a:rPr lang="en-US" dirty="0" smtClean="0"/>
-              <a:t>SocketTest</a:t>
+              <a:t>Socket Tester.</a:t>
             </a:r>
             <a:endParaRPr lang="en-US" dirty="0">
               <a:solidFill>
                 <a:srgbClr val="C00000"/>
               </a:solidFill>
             </a:endParaRPr>
+          </a:p>
+        </p:txBody>
+      </p:sp>
+      <p:sp>
+        <p:nvSpPr>
+          <p:cNvPr id="5" name="สี่เหลี่ยมผืนผ้า 4"/>
+          <p:cNvSpPr/>
+          <p:nvPr/>
+        </p:nvSpPr>
+        <p:spPr>
+          <a:xfrm>
+            <a:off x="4024369" y="1279585"/>
+            <a:ext cx="6255171" cy="923330"/>
+          </a:xfrm>
+          <a:prstGeom prst="rect">
+            <a:avLst/>
+          </a:prstGeom>
+        </p:spPr>
+        <p:txBody>
+          <a:bodyPr wrap="square">
+            <a:spAutoFit/>
+          </a:bodyPr>
+          <a:lstStyle/>
+          <a:p>
+            <a:r>
+              <a:rPr lang="th-TH" dirty="0" smtClean="0"/>
+              <a:t>* ตัวอย่าง การติดต่อ </a:t>
+            </a:r>
+            <a:r>
+              <a:rPr lang="en-US" dirty="0" smtClean="0"/>
+              <a:t>Server </a:t>
+            </a:r>
+            <a:r>
+              <a:rPr lang="th-TH" dirty="0" smtClean="0"/>
+              <a:t>และตัวอย่างข้อมูลที่ ทดสอบส่งเข้า </a:t>
+            </a:r>
+            <a:r>
+              <a:rPr lang="en-US" dirty="0" smtClean="0"/>
+              <a:t>UDP</a:t>
+            </a:r>
+            <a:endParaRPr lang="th-TH" dirty="0" smtClean="0"/>
+          </a:p>
+          <a:p>
+            <a:r>
+              <a:rPr lang="en-US" dirty="0" smtClean="0"/>
+              <a:t>Server IP : 35.240.177.29:5683</a:t>
+            </a:r>
+          </a:p>
+          <a:p>
+            <a:r>
+              <a:rPr lang="en-US" dirty="0" smtClean="0"/>
+              <a:t>Data : 20:83</a:t>
+            </a:r>
+            <a:r>
+              <a:rPr lang="en-US" dirty="0"/>
+              <a:t>:-30:lora01:qwerty1234</a:t>
+            </a:r>
+          </a:p>
+        </p:txBody>
+      </p:sp>
+      <p:sp>
+        <p:nvSpPr>
+          <p:cNvPr id="6" name="ลูกศรลง 5"/>
+          <p:cNvSpPr/>
+          <p:nvPr/>
+        </p:nvSpPr>
+        <p:spPr>
+          <a:xfrm>
+            <a:off x="1377109" y="3036472"/>
+            <a:ext cx="374574" cy="440674"/>
+          </a:xfrm>
+          <a:prstGeom prst="downArrow">
+            <a:avLst/>
+          </a:prstGeom>
+          <a:solidFill>
+            <a:srgbClr val="00B050"/>
+          </a:solidFill>
+        </p:spPr>
+        <p:style>
+          <a:lnRef idx="2">
+            <a:schemeClr val="accent1">
+              <a:shade val="50000"/>
+            </a:schemeClr>
+          </a:lnRef>
+          <a:fillRef idx="1">
+            <a:schemeClr val="accent1"/>
+          </a:fillRef>
+          <a:effectRef idx="0">
+            <a:schemeClr val="accent1"/>
+          </a:effectRef>
+          <a:fontRef idx="minor">
+            <a:schemeClr val="lt1"/>
+          </a:fontRef>
+        </p:style>
+        <p:txBody>
+          <a:bodyPr rtlCol="0" anchor="ctr"/>
+          <a:lstStyle/>
+          <a:p>
+            <a:pPr algn="ctr"/>
+            <a:endParaRPr lang="en-US"/>
+          </a:p>
+        </p:txBody>
+      </p:sp>
+      <p:sp>
+        <p:nvSpPr>
+          <p:cNvPr id="8" name="ลูกศรลง 7"/>
+          <p:cNvSpPr/>
+          <p:nvPr/>
+        </p:nvSpPr>
+        <p:spPr>
+          <a:xfrm>
+            <a:off x="3132002" y="3157657"/>
+            <a:ext cx="374574" cy="440674"/>
+          </a:xfrm>
+          <a:prstGeom prst="downArrow">
+            <a:avLst/>
+          </a:prstGeom>
+          <a:solidFill>
+            <a:srgbClr val="00B050"/>
+          </a:solidFill>
+        </p:spPr>
+        <p:style>
+          <a:lnRef idx="2">
+            <a:schemeClr val="accent1">
+              <a:shade val="50000"/>
+            </a:schemeClr>
+          </a:lnRef>
+          <a:fillRef idx="1">
+            <a:schemeClr val="accent1"/>
+          </a:fillRef>
+          <a:effectRef idx="0">
+            <a:schemeClr val="accent1"/>
+          </a:effectRef>
+          <a:fontRef idx="minor">
+            <a:schemeClr val="lt1"/>
+          </a:fontRef>
+        </p:style>
+        <p:txBody>
+          <a:bodyPr rtlCol="0" anchor="ctr"/>
+          <a:lstStyle/>
+          <a:p>
+            <a:pPr algn="ctr"/>
+            <a:endParaRPr lang="en-US"/>
+          </a:p>
+        </p:txBody>
+      </p:sp>
+      <p:pic>
+        <p:nvPicPr>
+          <p:cNvPr id="9" name="รูปภาพ 8"/>
+          <p:cNvPicPr>
+            <a:picLocks noChangeAspect="1"/>
+          </p:cNvPicPr>
+          <p:nvPr/>
+        </p:nvPicPr>
+        <p:blipFill>
+          <a:blip r:embed="rId3"/>
+          <a:stretch>
+            <a:fillRect/>
+          </a:stretch>
+        </p:blipFill>
+        <p:spPr>
+          <a:xfrm>
+            <a:off x="914400" y="3903140"/>
+            <a:ext cx="10144125" cy="2390775"/>
+          </a:xfrm>
+          <a:prstGeom prst="rect">
+            <a:avLst/>
+          </a:prstGeom>
+        </p:spPr>
+      </p:pic>
+      <p:sp>
+        <p:nvSpPr>
+          <p:cNvPr id="13" name="สี่เหลี่ยมผืนผ้า 12"/>
+          <p:cNvSpPr/>
+          <p:nvPr/>
+        </p:nvSpPr>
+        <p:spPr>
+          <a:xfrm>
+            <a:off x="4024369" y="3493938"/>
+            <a:ext cx="6255171" cy="369332"/>
+          </a:xfrm>
+          <a:prstGeom prst="rect">
+            <a:avLst/>
+          </a:prstGeom>
+        </p:spPr>
+        <p:txBody>
+          <a:bodyPr wrap="square">
+            <a:spAutoFit/>
+          </a:bodyPr>
+          <a:lstStyle/>
+          <a:p>
+            <a:r>
+              <a:rPr lang="th-TH" dirty="0" smtClean="0"/>
+              <a:t>เมื่อส่งข้อมูลแล้ว ทำการเรียกดูข้อมูลที่ถูกเพิ่ม ใน</a:t>
+            </a:r>
+            <a:r>
+              <a:rPr lang="en-US" dirty="0" smtClean="0"/>
+              <a:t> mongo </a:t>
+            </a:r>
+            <a:r>
+              <a:rPr lang="th-TH" dirty="0" smtClean="0"/>
+              <a:t>ตามด้านล่าง</a:t>
+            </a:r>
+            <a:endParaRPr lang="en-US" dirty="0"/>
           </a:p>
         </p:txBody>
       </p:sp>
@@ -12195,6 +12424,1566 @@
     <p:extLst>
       <p:ext uri="{BB962C8B-B14F-4D97-AF65-F5344CB8AC3E}">
         <p14:creationId xmlns:p14="http://schemas.microsoft.com/office/powerpoint/2010/main" val="3715817680"/>
+      </p:ext>
+    </p:extLst>
+  </p:cSld>
+  <p:clrMapOvr>
+    <a:masterClrMapping/>
+  </p:clrMapOvr>
+</p:sld>
+</file>
+
+<file path=ppt/slides/slide32.xml><?xml version="1.0" encoding="utf-8"?>
+<p:sld xmlns:a="http://schemas.openxmlformats.org/drawingml/2006/main" xmlns:r="http://schemas.openxmlformats.org/officeDocument/2006/relationships" xmlns:p="http://schemas.openxmlformats.org/presentationml/2006/main">
+  <p:cSld>
+    <p:spTree>
+      <p:nvGrpSpPr>
+        <p:cNvPr id="1" name=""/>
+        <p:cNvGrpSpPr/>
+        <p:nvPr/>
+      </p:nvGrpSpPr>
+      <p:grpSpPr>
+        <a:xfrm>
+          <a:off x="0" y="0"/>
+          <a:ext cx="0" cy="0"/>
+          <a:chOff x="0" y="0"/>
+          <a:chExt cx="0" cy="0"/>
+        </a:xfrm>
+      </p:grpSpPr>
+      <p:sp>
+        <p:nvSpPr>
+          <p:cNvPr id="2" name="Rectangle 476"/>
+          <p:cNvSpPr/>
+          <p:nvPr/>
+        </p:nvSpPr>
+        <p:spPr>
+          <a:xfrm>
+            <a:off x="1927951" y="791355"/>
+            <a:ext cx="8496522" cy="1048462"/>
+          </a:xfrm>
+          <a:prstGeom prst="rect">
+            <a:avLst/>
+          </a:prstGeom>
+          <a:ln>
+            <a:noFill/>
+          </a:ln>
+        </p:spPr>
+        <p:txBody>
+          <a:bodyPr vert="horz" lIns="0" tIns="0" rIns="0" bIns="0" rtlCol="0">
+            <a:noAutofit/>
+          </a:bodyPr>
+          <a:lstStyle/>
+          <a:p>
+            <a:pPr>
+              <a:lnSpc>
+                <a:spcPct val="107000"/>
+              </a:lnSpc>
+              <a:spcAft>
+                <a:spcPts val="800"/>
+              </a:spcAft>
+            </a:pPr>
+            <a:r>
+              <a:rPr lang="th-TH" sz="4400" dirty="0" smtClean="0">
+                <a:solidFill>
+                  <a:srgbClr val="000000"/>
+                </a:solidFill>
+                <a:effectLst/>
+                <a:latin typeface="Calibri" panose="020F0502020204030204" pitchFamily="34" charset="0"/>
+                <a:ea typeface="Calibri" panose="020F0502020204030204" pitchFamily="34" charset="0"/>
+              </a:rPr>
+              <a:t>การส่งข้อมูล ขึ้นระบบ ด้วย </a:t>
+            </a:r>
+            <a:r>
+              <a:rPr lang="en-US" sz="4400" dirty="0" smtClean="0">
+                <a:solidFill>
+                  <a:srgbClr val="000000"/>
+                </a:solidFill>
+                <a:effectLst/>
+                <a:latin typeface="Calibri" panose="020F0502020204030204" pitchFamily="34" charset="0"/>
+                <a:ea typeface="Calibri" panose="020F0502020204030204" pitchFamily="34" charset="0"/>
+              </a:rPr>
+              <a:t>LoRa Esp32 OLED</a:t>
+            </a:r>
+            <a:endParaRPr lang="en-US" sz="4400" dirty="0">
+              <a:solidFill>
+                <a:srgbClr val="000000"/>
+              </a:solidFill>
+              <a:effectLst/>
+              <a:latin typeface="Calibri" panose="020F0502020204030204" pitchFamily="34" charset="0"/>
+              <a:ea typeface="Calibri" panose="020F0502020204030204" pitchFamily="34" charset="0"/>
+            </a:endParaRPr>
+          </a:p>
+        </p:txBody>
+      </p:sp>
+      <p:pic>
+        <p:nvPicPr>
+          <p:cNvPr id="3" name="รูปภาพ 2"/>
+          <p:cNvPicPr>
+            <a:picLocks noChangeAspect="1"/>
+          </p:cNvPicPr>
+          <p:nvPr/>
+        </p:nvPicPr>
+        <p:blipFill>
+          <a:blip r:embed="rId2"/>
+          <a:stretch>
+            <a:fillRect/>
+          </a:stretch>
+        </p:blipFill>
+        <p:spPr>
+          <a:xfrm>
+            <a:off x="3352399" y="2071171"/>
+            <a:ext cx="4848225" cy="3457575"/>
+          </a:xfrm>
+          <a:prstGeom prst="rect">
+            <a:avLst/>
+          </a:prstGeom>
+        </p:spPr>
+      </p:pic>
+    </p:spTree>
+    <p:extLst>
+      <p:ext uri="{BB962C8B-B14F-4D97-AF65-F5344CB8AC3E}">
+        <p14:creationId xmlns:p14="http://schemas.microsoft.com/office/powerpoint/2010/main" val="2075185679"/>
+      </p:ext>
+    </p:extLst>
+  </p:cSld>
+  <p:clrMapOvr>
+    <a:masterClrMapping/>
+  </p:clrMapOvr>
+</p:sld>
+</file>
+
+<file path=ppt/slides/slide33.xml><?xml version="1.0" encoding="utf-8"?>
+<p:sld xmlns:a="http://schemas.openxmlformats.org/drawingml/2006/main" xmlns:r="http://schemas.openxmlformats.org/officeDocument/2006/relationships" xmlns:p="http://schemas.openxmlformats.org/presentationml/2006/main">
+  <p:cSld>
+    <p:spTree>
+      <p:nvGrpSpPr>
+        <p:cNvPr id="1" name=""/>
+        <p:cNvGrpSpPr/>
+        <p:nvPr/>
+      </p:nvGrpSpPr>
+      <p:grpSpPr>
+        <a:xfrm>
+          <a:off x="0" y="0"/>
+          <a:ext cx="0" cy="0"/>
+          <a:chOff x="0" y="0"/>
+          <a:chExt cx="0" cy="0"/>
+        </a:xfrm>
+      </p:grpSpPr>
+      <p:sp>
+        <p:nvSpPr>
+          <p:cNvPr id="2" name="Rectangle 476"/>
+          <p:cNvSpPr/>
+          <p:nvPr/>
+        </p:nvSpPr>
+        <p:spPr>
+          <a:xfrm>
+            <a:off x="385589" y="163394"/>
+            <a:ext cx="8496522" cy="1048462"/>
+          </a:xfrm>
+          <a:prstGeom prst="rect">
+            <a:avLst/>
+          </a:prstGeom>
+          <a:ln>
+            <a:noFill/>
+          </a:ln>
+        </p:spPr>
+        <p:txBody>
+          <a:bodyPr vert="horz" lIns="0" tIns="0" rIns="0" bIns="0" rtlCol="0">
+            <a:noAutofit/>
+          </a:bodyPr>
+          <a:lstStyle/>
+          <a:p>
+            <a:pPr>
+              <a:lnSpc>
+                <a:spcPct val="107000"/>
+              </a:lnSpc>
+              <a:spcAft>
+                <a:spcPts val="800"/>
+              </a:spcAft>
+            </a:pPr>
+            <a:r>
+              <a:rPr lang="th-TH" sz="4400" dirty="0" smtClean="0">
+                <a:solidFill>
+                  <a:srgbClr val="000000"/>
+                </a:solidFill>
+                <a:effectLst/>
+                <a:latin typeface="Calibri" panose="020F0502020204030204" pitchFamily="34" charset="0"/>
+                <a:ea typeface="Calibri" panose="020F0502020204030204" pitchFamily="34" charset="0"/>
+              </a:rPr>
+              <a:t>การส่งข้อมูล ขึ้นระบบ ด้วย </a:t>
+            </a:r>
+            <a:r>
+              <a:rPr lang="en-US" sz="4400" dirty="0" smtClean="0">
+                <a:solidFill>
+                  <a:srgbClr val="000000"/>
+                </a:solidFill>
+                <a:effectLst/>
+                <a:latin typeface="Calibri" panose="020F0502020204030204" pitchFamily="34" charset="0"/>
+                <a:ea typeface="Calibri" panose="020F0502020204030204" pitchFamily="34" charset="0"/>
+              </a:rPr>
+              <a:t>LoRa Esp32 OLED</a:t>
+            </a:r>
+            <a:endParaRPr lang="en-US" sz="4400" dirty="0">
+              <a:solidFill>
+                <a:srgbClr val="000000"/>
+              </a:solidFill>
+              <a:effectLst/>
+              <a:latin typeface="Calibri" panose="020F0502020204030204" pitchFamily="34" charset="0"/>
+              <a:ea typeface="Calibri" panose="020F0502020204030204" pitchFamily="34" charset="0"/>
+            </a:endParaRPr>
+          </a:p>
+        </p:txBody>
+      </p:sp>
+      <p:sp>
+        <p:nvSpPr>
+          <p:cNvPr id="4" name="สี่เหลี่ยมผืนผ้า 3"/>
+          <p:cNvSpPr/>
+          <p:nvPr/>
+        </p:nvSpPr>
+        <p:spPr>
+          <a:xfrm>
+            <a:off x="385589" y="842524"/>
+            <a:ext cx="9268858" cy="646331"/>
+          </a:xfrm>
+          <a:prstGeom prst="rect">
+            <a:avLst/>
+          </a:prstGeom>
+        </p:spPr>
+        <p:txBody>
+          <a:bodyPr wrap="square">
+            <a:spAutoFit/>
+          </a:bodyPr>
+          <a:lstStyle/>
+          <a:p>
+            <a:r>
+              <a:rPr lang="en-US" dirty="0" smtClean="0"/>
+              <a:t>Link Reference</a:t>
+            </a:r>
+          </a:p>
+          <a:p>
+            <a:r>
+              <a:rPr lang="en-US" dirty="0">
+                <a:hlinkClick r:id="rId2"/>
+              </a:rPr>
+              <a:t>https://github.com/osresearch/esp32-ttgo</a:t>
+            </a:r>
+            <a:endParaRPr lang="en-US" dirty="0">
+              <a:solidFill>
+                <a:srgbClr val="C00000"/>
+              </a:solidFill>
+            </a:endParaRPr>
+          </a:p>
+        </p:txBody>
+      </p:sp>
+      <p:pic>
+        <p:nvPicPr>
+          <p:cNvPr id="5" name="รูปภาพ 4"/>
+          <p:cNvPicPr>
+            <a:picLocks noChangeAspect="1"/>
+          </p:cNvPicPr>
+          <p:nvPr/>
+        </p:nvPicPr>
+        <p:blipFill>
+          <a:blip r:embed="rId3"/>
+          <a:stretch>
+            <a:fillRect/>
+          </a:stretch>
+        </p:blipFill>
+        <p:spPr>
+          <a:xfrm>
+            <a:off x="385589" y="1736751"/>
+            <a:ext cx="5714286" cy="4279365"/>
+          </a:xfrm>
+          <a:prstGeom prst="rect">
+            <a:avLst/>
+          </a:prstGeom>
+        </p:spPr>
+      </p:pic>
+    </p:spTree>
+    <p:extLst>
+      <p:ext uri="{BB962C8B-B14F-4D97-AF65-F5344CB8AC3E}">
+        <p14:creationId xmlns:p14="http://schemas.microsoft.com/office/powerpoint/2010/main" val="2970084487"/>
+      </p:ext>
+    </p:extLst>
+  </p:cSld>
+  <p:clrMapOvr>
+    <a:masterClrMapping/>
+  </p:clrMapOvr>
+</p:sld>
+</file>
+
+<file path=ppt/slides/slide34.xml><?xml version="1.0" encoding="utf-8"?>
+<p:sld xmlns:a="http://schemas.openxmlformats.org/drawingml/2006/main" xmlns:r="http://schemas.openxmlformats.org/officeDocument/2006/relationships" xmlns:p="http://schemas.openxmlformats.org/presentationml/2006/main">
+  <p:cSld>
+    <p:spTree>
+      <p:nvGrpSpPr>
+        <p:cNvPr id="1" name=""/>
+        <p:cNvGrpSpPr/>
+        <p:nvPr/>
+      </p:nvGrpSpPr>
+      <p:grpSpPr>
+        <a:xfrm>
+          <a:off x="0" y="0"/>
+          <a:ext cx="0" cy="0"/>
+          <a:chOff x="0" y="0"/>
+          <a:chExt cx="0" cy="0"/>
+        </a:xfrm>
+      </p:grpSpPr>
+      <p:sp>
+        <p:nvSpPr>
+          <p:cNvPr id="2" name="Rectangle 476"/>
+          <p:cNvSpPr/>
+          <p:nvPr/>
+        </p:nvSpPr>
+        <p:spPr>
+          <a:xfrm>
+            <a:off x="385589" y="163394"/>
+            <a:ext cx="8496522" cy="1048462"/>
+          </a:xfrm>
+          <a:prstGeom prst="rect">
+            <a:avLst/>
+          </a:prstGeom>
+          <a:ln>
+            <a:noFill/>
+          </a:ln>
+        </p:spPr>
+        <p:txBody>
+          <a:bodyPr vert="horz" lIns="0" tIns="0" rIns="0" bIns="0" rtlCol="0">
+            <a:noAutofit/>
+          </a:bodyPr>
+          <a:lstStyle/>
+          <a:p>
+            <a:pPr>
+              <a:lnSpc>
+                <a:spcPct val="107000"/>
+              </a:lnSpc>
+              <a:spcAft>
+                <a:spcPts val="800"/>
+              </a:spcAft>
+            </a:pPr>
+            <a:r>
+              <a:rPr lang="th-TH" sz="4400" dirty="0" smtClean="0">
+                <a:solidFill>
+                  <a:srgbClr val="000000"/>
+                </a:solidFill>
+                <a:effectLst/>
+                <a:latin typeface="Calibri" panose="020F0502020204030204" pitchFamily="34" charset="0"/>
+                <a:ea typeface="Calibri" panose="020F0502020204030204" pitchFamily="34" charset="0"/>
+              </a:rPr>
+              <a:t>การส่งข้อมูล ขึ้นระบบ ด้วย </a:t>
+            </a:r>
+            <a:r>
+              <a:rPr lang="en-US" sz="4400" dirty="0" smtClean="0">
+                <a:solidFill>
+                  <a:srgbClr val="000000"/>
+                </a:solidFill>
+                <a:effectLst/>
+                <a:latin typeface="Calibri" panose="020F0502020204030204" pitchFamily="34" charset="0"/>
+                <a:ea typeface="Calibri" panose="020F0502020204030204" pitchFamily="34" charset="0"/>
+              </a:rPr>
+              <a:t>LoRa Esp32 OLED</a:t>
+            </a:r>
+            <a:endParaRPr lang="en-US" sz="4400" dirty="0">
+              <a:solidFill>
+                <a:srgbClr val="000000"/>
+              </a:solidFill>
+              <a:effectLst/>
+              <a:latin typeface="Calibri" panose="020F0502020204030204" pitchFamily="34" charset="0"/>
+              <a:ea typeface="Calibri" panose="020F0502020204030204" pitchFamily="34" charset="0"/>
+            </a:endParaRPr>
+          </a:p>
+        </p:txBody>
+      </p:sp>
+      <p:sp>
+        <p:nvSpPr>
+          <p:cNvPr id="3" name="Rectangle 476"/>
+          <p:cNvSpPr/>
+          <p:nvPr/>
+        </p:nvSpPr>
+        <p:spPr>
+          <a:xfrm>
+            <a:off x="385589" y="946521"/>
+            <a:ext cx="8496522" cy="530669"/>
+          </a:xfrm>
+          <a:prstGeom prst="rect">
+            <a:avLst/>
+          </a:prstGeom>
+          <a:ln>
+            <a:noFill/>
+          </a:ln>
+        </p:spPr>
+        <p:txBody>
+          <a:bodyPr vert="horz" lIns="0" tIns="0" rIns="0" bIns="0" rtlCol="0">
+            <a:noAutofit/>
+          </a:bodyPr>
+          <a:lstStyle/>
+          <a:p>
+            <a:pPr algn="ctr">
+              <a:lnSpc>
+                <a:spcPct val="107000"/>
+              </a:lnSpc>
+              <a:spcAft>
+                <a:spcPts val="800"/>
+              </a:spcAft>
+            </a:pPr>
+            <a:r>
+              <a:rPr lang="en-US" sz="2800" dirty="0" smtClean="0">
+                <a:solidFill>
+                  <a:srgbClr val="000000"/>
+                </a:solidFill>
+                <a:effectLst/>
+                <a:latin typeface="Calibri" panose="020F0502020204030204" pitchFamily="34" charset="0"/>
+                <a:ea typeface="Calibri" panose="020F0502020204030204" pitchFamily="34" charset="0"/>
+              </a:rPr>
+              <a:t>LoRa to GCP Infrastructure</a:t>
+            </a:r>
+            <a:endParaRPr lang="en-US" sz="2800" dirty="0">
+              <a:solidFill>
+                <a:srgbClr val="000000"/>
+              </a:solidFill>
+              <a:effectLst/>
+              <a:latin typeface="Calibri" panose="020F0502020204030204" pitchFamily="34" charset="0"/>
+              <a:ea typeface="Calibri" panose="020F0502020204030204" pitchFamily="34" charset="0"/>
+            </a:endParaRPr>
+          </a:p>
+        </p:txBody>
+      </p:sp>
+      <p:sp>
+        <p:nvSpPr>
+          <p:cNvPr id="5" name="แผนผังลําดับงาน: กระบวนการสำรอง 4"/>
+          <p:cNvSpPr/>
+          <p:nvPr/>
+        </p:nvSpPr>
+        <p:spPr>
+          <a:xfrm>
+            <a:off x="8568018" y="2425556"/>
+            <a:ext cx="1363577" cy="839520"/>
+          </a:xfrm>
+          <a:prstGeom prst="flowChartAlternateProcess">
+            <a:avLst/>
+          </a:prstGeom>
+        </p:spPr>
+        <p:style>
+          <a:lnRef idx="2">
+            <a:schemeClr val="accent1">
+              <a:shade val="50000"/>
+            </a:schemeClr>
+          </a:lnRef>
+          <a:fillRef idx="1">
+            <a:schemeClr val="accent1"/>
+          </a:fillRef>
+          <a:effectRef idx="0">
+            <a:schemeClr val="accent1"/>
+          </a:effectRef>
+          <a:fontRef idx="minor">
+            <a:schemeClr val="lt1"/>
+          </a:fontRef>
+        </p:style>
+        <p:txBody>
+          <a:bodyPr rtlCol="0" anchor="ctr"/>
+          <a:lstStyle/>
+          <a:p>
+            <a:pPr algn="ctr"/>
+            <a:r>
+              <a:rPr lang="en-US" sz="1600" dirty="0" smtClean="0"/>
+              <a:t>LoRa Node 1</a:t>
+            </a:r>
+          </a:p>
+        </p:txBody>
+      </p:sp>
+      <p:pic>
+        <p:nvPicPr>
+          <p:cNvPr id="6" name="รูปภาพ 5"/>
+          <p:cNvPicPr>
+            <a:picLocks noChangeAspect="1"/>
+          </p:cNvPicPr>
+          <p:nvPr/>
+        </p:nvPicPr>
+        <p:blipFill>
+          <a:blip r:embed="rId2"/>
+          <a:stretch>
+            <a:fillRect/>
+          </a:stretch>
+        </p:blipFill>
+        <p:spPr>
+          <a:xfrm>
+            <a:off x="5718553" y="3265076"/>
+            <a:ext cx="1516312" cy="1323263"/>
+          </a:xfrm>
+          <a:prstGeom prst="rect">
+            <a:avLst/>
+          </a:prstGeom>
+        </p:spPr>
+      </p:pic>
+      <p:pic>
+        <p:nvPicPr>
+          <p:cNvPr id="7" name="รูปภาพ 6"/>
+          <p:cNvPicPr>
+            <a:picLocks noChangeAspect="1"/>
+          </p:cNvPicPr>
+          <p:nvPr/>
+        </p:nvPicPr>
+        <p:blipFill>
+          <a:blip r:embed="rId2"/>
+          <a:stretch>
+            <a:fillRect/>
+          </a:stretch>
+        </p:blipFill>
+        <p:spPr>
+          <a:xfrm>
+            <a:off x="8523950" y="1156862"/>
+            <a:ext cx="1428880" cy="1246962"/>
+          </a:xfrm>
+          <a:prstGeom prst="rect">
+            <a:avLst/>
+          </a:prstGeom>
+        </p:spPr>
+      </p:pic>
+      <p:sp>
+        <p:nvSpPr>
+          <p:cNvPr id="8" name="แผนผังลําดับงาน: กระบวนการสำรอง 7"/>
+          <p:cNvSpPr/>
+          <p:nvPr/>
+        </p:nvSpPr>
+        <p:spPr>
+          <a:xfrm>
+            <a:off x="8568018" y="5891973"/>
+            <a:ext cx="1363577" cy="839520"/>
+          </a:xfrm>
+          <a:prstGeom prst="flowChartAlternateProcess">
+            <a:avLst/>
+          </a:prstGeom>
+        </p:spPr>
+        <p:style>
+          <a:lnRef idx="2">
+            <a:schemeClr val="accent1">
+              <a:shade val="50000"/>
+            </a:schemeClr>
+          </a:lnRef>
+          <a:fillRef idx="1">
+            <a:schemeClr val="accent1"/>
+          </a:fillRef>
+          <a:effectRef idx="0">
+            <a:schemeClr val="accent1"/>
+          </a:effectRef>
+          <a:fontRef idx="minor">
+            <a:schemeClr val="lt1"/>
+          </a:fontRef>
+        </p:style>
+        <p:txBody>
+          <a:bodyPr rtlCol="0" anchor="ctr"/>
+          <a:lstStyle/>
+          <a:p>
+            <a:pPr algn="ctr"/>
+            <a:r>
+              <a:rPr lang="en-US" sz="1600" dirty="0" smtClean="0"/>
+              <a:t>LoRa Node 2</a:t>
+            </a:r>
+          </a:p>
+        </p:txBody>
+      </p:sp>
+      <p:pic>
+        <p:nvPicPr>
+          <p:cNvPr id="9" name="รูปภาพ 8"/>
+          <p:cNvPicPr>
+            <a:picLocks noChangeAspect="1"/>
+          </p:cNvPicPr>
+          <p:nvPr/>
+        </p:nvPicPr>
+        <p:blipFill>
+          <a:blip r:embed="rId2"/>
+          <a:stretch>
+            <a:fillRect/>
+          </a:stretch>
+        </p:blipFill>
+        <p:spPr>
+          <a:xfrm>
+            <a:off x="8523950" y="4623279"/>
+            <a:ext cx="1428880" cy="1246962"/>
+          </a:xfrm>
+          <a:prstGeom prst="rect">
+            <a:avLst/>
+          </a:prstGeom>
+        </p:spPr>
+      </p:pic>
+      <p:sp>
+        <p:nvSpPr>
+          <p:cNvPr id="10" name="แผนผังลําดับงาน: กระบวนการสำรอง 9"/>
+          <p:cNvSpPr/>
+          <p:nvPr/>
+        </p:nvSpPr>
+        <p:spPr>
+          <a:xfrm>
+            <a:off x="10529021" y="4124929"/>
+            <a:ext cx="1363577" cy="839520"/>
+          </a:xfrm>
+          <a:prstGeom prst="flowChartAlternateProcess">
+            <a:avLst/>
+          </a:prstGeom>
+        </p:spPr>
+        <p:style>
+          <a:lnRef idx="2">
+            <a:schemeClr val="accent1">
+              <a:shade val="50000"/>
+            </a:schemeClr>
+          </a:lnRef>
+          <a:fillRef idx="1">
+            <a:schemeClr val="accent1"/>
+          </a:fillRef>
+          <a:effectRef idx="0">
+            <a:schemeClr val="accent1"/>
+          </a:effectRef>
+          <a:fontRef idx="minor">
+            <a:schemeClr val="lt1"/>
+          </a:fontRef>
+        </p:style>
+        <p:txBody>
+          <a:bodyPr rtlCol="0" anchor="ctr"/>
+          <a:lstStyle/>
+          <a:p>
+            <a:pPr algn="ctr"/>
+            <a:r>
+              <a:rPr lang="en-US" sz="1600" dirty="0" smtClean="0"/>
+              <a:t>LoRa Node 3</a:t>
+            </a:r>
+          </a:p>
+        </p:txBody>
+      </p:sp>
+      <p:pic>
+        <p:nvPicPr>
+          <p:cNvPr id="11" name="รูปภาพ 10"/>
+          <p:cNvPicPr>
+            <a:picLocks noChangeAspect="1"/>
+          </p:cNvPicPr>
+          <p:nvPr/>
+        </p:nvPicPr>
+        <p:blipFill>
+          <a:blip r:embed="rId2"/>
+          <a:stretch>
+            <a:fillRect/>
+          </a:stretch>
+        </p:blipFill>
+        <p:spPr>
+          <a:xfrm>
+            <a:off x="10484953" y="2856235"/>
+            <a:ext cx="1428880" cy="1246962"/>
+          </a:xfrm>
+          <a:prstGeom prst="rect">
+            <a:avLst/>
+          </a:prstGeom>
+        </p:spPr>
+      </p:pic>
+      <p:pic>
+        <p:nvPicPr>
+          <p:cNvPr id="1028" name="Picture 4" descr="à¸à¸¥à¸à¸²à¸£à¸à¹à¸à¸«à¸²à¸£à¸¹à¸à¸ à¸²à¸à¸ªà¸³à¸«à¸£à¸±à¸ Access point icon"/>
+          <p:cNvPicPr>
+            <a:picLocks noChangeAspect="1" noChangeArrowheads="1"/>
+          </p:cNvPicPr>
+          <p:nvPr/>
+        </p:nvPicPr>
+        <p:blipFill>
+          <a:blip r:embed="rId3" cstate="print">
+            <a:extLst>
+              <a:ext uri="{28A0092B-C50C-407E-A947-70E740481C1C}">
+                <a14:useLocalDpi xmlns:a14="http://schemas.microsoft.com/office/drawing/2010/main" val="0"/>
+              </a:ext>
+            </a:extLst>
+          </a:blip>
+          <a:srcRect/>
+          <a:stretch>
+            <a:fillRect/>
+          </a:stretch>
+        </p:blipFill>
+        <p:spPr bwMode="auto">
+          <a:xfrm>
+            <a:off x="3181066" y="3299646"/>
+            <a:ext cx="1245043" cy="1245043"/>
+          </a:xfrm>
+          <a:prstGeom prst="rect">
+            <a:avLst/>
+          </a:prstGeom>
+          <a:solidFill>
+            <a:srgbClr val="00B050"/>
+          </a:solidFill>
+        </p:spPr>
+      </p:pic>
+      <p:pic>
+        <p:nvPicPr>
+          <p:cNvPr id="1030" name="Picture 6" descr="à¸à¸¥à¸à¸²à¸£à¸à¹à¸à¸«à¸²à¸£à¸¹à¸à¸ à¸²à¸à¸ªà¸³à¸«à¸£à¸±à¸ cloud icon"/>
+          <p:cNvPicPr>
+            <a:picLocks noChangeAspect="1" noChangeArrowheads="1"/>
+          </p:cNvPicPr>
+          <p:nvPr/>
+        </p:nvPicPr>
+        <p:blipFill>
+          <a:blip r:embed="rId4">
+            <a:extLst>
+              <a:ext uri="{28A0092B-C50C-407E-A947-70E740481C1C}">
+                <a14:useLocalDpi xmlns:a14="http://schemas.microsoft.com/office/drawing/2010/main" val="0"/>
+              </a:ext>
+            </a:extLst>
+          </a:blip>
+          <a:srcRect/>
+          <a:stretch>
+            <a:fillRect/>
+          </a:stretch>
+        </p:blipFill>
+        <p:spPr bwMode="auto">
+          <a:xfrm>
+            <a:off x="874032" y="1574716"/>
+            <a:ext cx="1905000" cy="1905000"/>
+          </a:xfrm>
+          <a:prstGeom prst="rect">
+            <a:avLst/>
+          </a:prstGeom>
+          <a:noFill/>
+          <a:extLst>
+            <a:ext uri="{909E8E84-426E-40DD-AFC4-6F175D3DCCD1}">
+              <a14:hiddenFill xmlns:a14="http://schemas.microsoft.com/office/drawing/2010/main">
+                <a:solidFill>
+                  <a:srgbClr val="FFFFFF"/>
+                </a:solidFill>
+              </a14:hiddenFill>
+            </a:ext>
+          </a:extLst>
+        </p:spPr>
+      </p:pic>
+      <p:cxnSp>
+        <p:nvCxnSpPr>
+          <p:cNvPr id="16" name="ลูกศรเชื่อมต่อแบบตรง 15"/>
+          <p:cNvCxnSpPr>
+            <a:stCxn id="1028" idx="3"/>
+            <a:endCxn id="6" idx="1"/>
+          </p:cNvCxnSpPr>
+          <p:nvPr/>
+        </p:nvCxnSpPr>
+        <p:spPr>
+          <a:xfrm>
+            <a:off x="4426109" y="3922168"/>
+            <a:ext cx="1292444" cy="4540"/>
+          </a:xfrm>
+          <a:prstGeom prst="straightConnector1">
+            <a:avLst/>
+          </a:prstGeom>
+          <a:ln w="38100">
+            <a:solidFill>
+              <a:srgbClr val="0070C0"/>
+            </a:solidFill>
+            <a:headEnd type="triangle"/>
+            <a:tailEnd type="triangle"/>
+          </a:ln>
+        </p:spPr>
+        <p:style>
+          <a:lnRef idx="1">
+            <a:schemeClr val="accent1"/>
+          </a:lnRef>
+          <a:fillRef idx="0">
+            <a:schemeClr val="accent1"/>
+          </a:fillRef>
+          <a:effectRef idx="0">
+            <a:schemeClr val="accent1"/>
+          </a:effectRef>
+          <a:fontRef idx="minor">
+            <a:schemeClr val="tx1"/>
+          </a:fontRef>
+        </p:style>
+      </p:cxnSp>
+      <p:cxnSp>
+        <p:nvCxnSpPr>
+          <p:cNvPr id="19" name="ลูกศรเชื่อมต่อแบบตรง 18"/>
+          <p:cNvCxnSpPr/>
+          <p:nvPr/>
+        </p:nvCxnSpPr>
+        <p:spPr>
+          <a:xfrm>
+            <a:off x="7367451" y="3922992"/>
+            <a:ext cx="3117502" cy="18916"/>
+          </a:xfrm>
+          <a:prstGeom prst="straightConnector1">
+            <a:avLst/>
+          </a:prstGeom>
+          <a:ln w="38100">
+            <a:solidFill>
+              <a:srgbClr val="0070C0"/>
+            </a:solidFill>
+            <a:headEnd type="triangle"/>
+            <a:tailEnd type="triangle"/>
+          </a:ln>
+        </p:spPr>
+        <p:style>
+          <a:lnRef idx="1">
+            <a:schemeClr val="accent1"/>
+          </a:lnRef>
+          <a:fillRef idx="0">
+            <a:schemeClr val="accent1"/>
+          </a:fillRef>
+          <a:effectRef idx="0">
+            <a:schemeClr val="accent1"/>
+          </a:effectRef>
+          <a:fontRef idx="minor">
+            <a:schemeClr val="tx1"/>
+          </a:fontRef>
+        </p:style>
+      </p:cxnSp>
+      <p:cxnSp>
+        <p:nvCxnSpPr>
+          <p:cNvPr id="21" name="ลูกศรเชื่อมต่อแบบตรง 20"/>
+          <p:cNvCxnSpPr>
+            <a:stCxn id="6" idx="3"/>
+            <a:endCxn id="7" idx="1"/>
+          </p:cNvCxnSpPr>
+          <p:nvPr/>
+        </p:nvCxnSpPr>
+        <p:spPr>
+          <a:xfrm flipV="1">
+            <a:off x="7234865" y="1780343"/>
+            <a:ext cx="1289085" cy="2146365"/>
+          </a:xfrm>
+          <a:prstGeom prst="straightConnector1">
+            <a:avLst/>
+          </a:prstGeom>
+          <a:ln w="38100">
+            <a:solidFill>
+              <a:srgbClr val="0070C0"/>
+            </a:solidFill>
+            <a:headEnd type="triangle"/>
+            <a:tailEnd type="triangle"/>
+          </a:ln>
+        </p:spPr>
+        <p:style>
+          <a:lnRef idx="1">
+            <a:schemeClr val="accent1"/>
+          </a:lnRef>
+          <a:fillRef idx="0">
+            <a:schemeClr val="accent1"/>
+          </a:fillRef>
+          <a:effectRef idx="0">
+            <a:schemeClr val="accent1"/>
+          </a:effectRef>
+          <a:fontRef idx="minor">
+            <a:schemeClr val="tx1"/>
+          </a:fontRef>
+        </p:style>
+      </p:cxnSp>
+      <p:cxnSp>
+        <p:nvCxnSpPr>
+          <p:cNvPr id="24" name="ลูกศรเชื่อมต่อแบบตรง 23"/>
+          <p:cNvCxnSpPr>
+            <a:stCxn id="6" idx="3"/>
+            <a:endCxn id="9" idx="1"/>
+          </p:cNvCxnSpPr>
+          <p:nvPr/>
+        </p:nvCxnSpPr>
+        <p:spPr>
+          <a:xfrm>
+            <a:off x="7234865" y="3926708"/>
+            <a:ext cx="1289085" cy="1320052"/>
+          </a:xfrm>
+          <a:prstGeom prst="straightConnector1">
+            <a:avLst/>
+          </a:prstGeom>
+          <a:ln w="38100">
+            <a:solidFill>
+              <a:srgbClr val="0070C0"/>
+            </a:solidFill>
+            <a:headEnd type="triangle"/>
+            <a:tailEnd type="triangle"/>
+          </a:ln>
+        </p:spPr>
+        <p:style>
+          <a:lnRef idx="1">
+            <a:schemeClr val="accent1"/>
+          </a:lnRef>
+          <a:fillRef idx="0">
+            <a:schemeClr val="accent1"/>
+          </a:fillRef>
+          <a:effectRef idx="0">
+            <a:schemeClr val="accent1"/>
+          </a:effectRef>
+          <a:fontRef idx="minor">
+            <a:schemeClr val="tx1"/>
+          </a:fontRef>
+        </p:style>
+      </p:cxnSp>
+      <p:cxnSp>
+        <p:nvCxnSpPr>
+          <p:cNvPr id="27" name="ลูกศรเชื่อมต่อแบบตรง 26"/>
+          <p:cNvCxnSpPr>
+            <a:endCxn id="1028" idx="1"/>
+          </p:cNvCxnSpPr>
+          <p:nvPr/>
+        </p:nvCxnSpPr>
+        <p:spPr>
+          <a:xfrm>
+            <a:off x="1826532" y="3265076"/>
+            <a:ext cx="1354534" cy="657092"/>
+          </a:xfrm>
+          <a:prstGeom prst="straightConnector1">
+            <a:avLst/>
+          </a:prstGeom>
+          <a:ln w="38100">
+            <a:solidFill>
+              <a:srgbClr val="0070C0"/>
+            </a:solidFill>
+            <a:headEnd type="triangle"/>
+            <a:tailEnd type="triangle"/>
+          </a:ln>
+        </p:spPr>
+        <p:style>
+          <a:lnRef idx="1">
+            <a:schemeClr val="accent1"/>
+          </a:lnRef>
+          <a:fillRef idx="0">
+            <a:schemeClr val="accent1"/>
+          </a:fillRef>
+          <a:effectRef idx="0">
+            <a:schemeClr val="accent1"/>
+          </a:effectRef>
+          <a:fontRef idx="minor">
+            <a:schemeClr val="tx1"/>
+          </a:fontRef>
+        </p:style>
+      </p:cxnSp>
+      <p:sp>
+        <p:nvSpPr>
+          <p:cNvPr id="32" name="Rectangle 476"/>
+          <p:cNvSpPr/>
+          <p:nvPr/>
+        </p:nvSpPr>
+        <p:spPr>
+          <a:xfrm>
+            <a:off x="5273862" y="2853525"/>
+            <a:ext cx="2320694" cy="530669"/>
+          </a:xfrm>
+          <a:prstGeom prst="rect">
+            <a:avLst/>
+          </a:prstGeom>
+          <a:ln>
+            <a:noFill/>
+          </a:ln>
+        </p:spPr>
+        <p:txBody>
+          <a:bodyPr vert="horz" lIns="0" tIns="0" rIns="0" bIns="0" rtlCol="0">
+            <a:noAutofit/>
+          </a:bodyPr>
+          <a:lstStyle/>
+          <a:p>
+            <a:pPr algn="ctr">
+              <a:lnSpc>
+                <a:spcPct val="107000"/>
+              </a:lnSpc>
+              <a:spcAft>
+                <a:spcPts val="800"/>
+              </a:spcAft>
+            </a:pPr>
+            <a:r>
+              <a:rPr lang="en-US" sz="2400" dirty="0" smtClean="0">
+                <a:solidFill>
+                  <a:srgbClr val="FF0000"/>
+                </a:solidFill>
+                <a:latin typeface="Calibri" panose="020F0502020204030204" pitchFamily="34" charset="0"/>
+                <a:ea typeface="Calibri" panose="020F0502020204030204" pitchFamily="34" charset="0"/>
+              </a:rPr>
+              <a:t>LoRa Master</a:t>
+            </a:r>
+            <a:endParaRPr lang="en-US" sz="2400" dirty="0">
+              <a:solidFill>
+                <a:srgbClr val="FF0000"/>
+              </a:solidFill>
+              <a:effectLst/>
+              <a:latin typeface="Calibri" panose="020F0502020204030204" pitchFamily="34" charset="0"/>
+              <a:ea typeface="Calibri" panose="020F0502020204030204" pitchFamily="34" charset="0"/>
+            </a:endParaRPr>
+          </a:p>
+        </p:txBody>
+      </p:sp>
+      <p:sp>
+        <p:nvSpPr>
+          <p:cNvPr id="33" name="Rectangle 476"/>
+          <p:cNvSpPr/>
+          <p:nvPr/>
+        </p:nvSpPr>
+        <p:spPr>
+          <a:xfrm>
+            <a:off x="-60859" y="1638341"/>
+            <a:ext cx="4179482" cy="530669"/>
+          </a:xfrm>
+          <a:prstGeom prst="rect">
+            <a:avLst/>
+          </a:prstGeom>
+          <a:ln>
+            <a:noFill/>
+          </a:ln>
+        </p:spPr>
+        <p:txBody>
+          <a:bodyPr vert="horz" lIns="0" tIns="0" rIns="0" bIns="0" rtlCol="0">
+            <a:noAutofit/>
+          </a:bodyPr>
+          <a:lstStyle/>
+          <a:p>
+            <a:pPr algn="ctr">
+              <a:lnSpc>
+                <a:spcPct val="107000"/>
+              </a:lnSpc>
+              <a:spcAft>
+                <a:spcPts val="800"/>
+              </a:spcAft>
+            </a:pPr>
+            <a:r>
+              <a:rPr lang="en-US" sz="2400" dirty="0" smtClean="0">
+                <a:solidFill>
+                  <a:srgbClr val="000000"/>
+                </a:solidFill>
+                <a:effectLst/>
+                <a:latin typeface="Calibri" panose="020F0502020204030204" pitchFamily="34" charset="0"/>
+                <a:ea typeface="Calibri" panose="020F0502020204030204" pitchFamily="34" charset="0"/>
+              </a:rPr>
+              <a:t>Google Cloud Platform</a:t>
+            </a:r>
+            <a:endParaRPr lang="en-US" sz="2400" dirty="0">
+              <a:solidFill>
+                <a:srgbClr val="000000"/>
+              </a:solidFill>
+              <a:effectLst/>
+              <a:latin typeface="Calibri" panose="020F0502020204030204" pitchFamily="34" charset="0"/>
+              <a:ea typeface="Calibri" panose="020F0502020204030204" pitchFamily="34" charset="0"/>
+            </a:endParaRPr>
+          </a:p>
+        </p:txBody>
+      </p:sp>
+      <p:sp>
+        <p:nvSpPr>
+          <p:cNvPr id="34" name="Rectangle 476"/>
+          <p:cNvSpPr/>
+          <p:nvPr/>
+        </p:nvSpPr>
+        <p:spPr>
+          <a:xfrm>
+            <a:off x="2052848" y="4610170"/>
+            <a:ext cx="4179482" cy="530669"/>
+          </a:xfrm>
+          <a:prstGeom prst="rect">
+            <a:avLst/>
+          </a:prstGeom>
+          <a:ln>
+            <a:noFill/>
+          </a:ln>
+        </p:spPr>
+        <p:txBody>
+          <a:bodyPr vert="horz" lIns="0" tIns="0" rIns="0" bIns="0" rtlCol="0">
+            <a:noAutofit/>
+          </a:bodyPr>
+          <a:lstStyle/>
+          <a:p>
+            <a:pPr algn="ctr">
+              <a:lnSpc>
+                <a:spcPct val="107000"/>
+              </a:lnSpc>
+              <a:spcAft>
+                <a:spcPts val="800"/>
+              </a:spcAft>
+            </a:pPr>
+            <a:r>
+              <a:rPr lang="en-US" sz="2400" dirty="0" smtClean="0">
+                <a:solidFill>
+                  <a:srgbClr val="000000"/>
+                </a:solidFill>
+                <a:effectLst/>
+                <a:latin typeface="Calibri" panose="020F0502020204030204" pitchFamily="34" charset="0"/>
+                <a:ea typeface="Calibri" panose="020F0502020204030204" pitchFamily="34" charset="0"/>
+              </a:rPr>
+              <a:t>Access point Or Cells Site</a:t>
+            </a:r>
+            <a:endParaRPr lang="en-US" sz="2400" dirty="0">
+              <a:solidFill>
+                <a:srgbClr val="000000"/>
+              </a:solidFill>
+              <a:effectLst/>
+              <a:latin typeface="Calibri" panose="020F0502020204030204" pitchFamily="34" charset="0"/>
+              <a:ea typeface="Calibri" panose="020F0502020204030204" pitchFamily="34" charset="0"/>
+            </a:endParaRPr>
+          </a:p>
+        </p:txBody>
+      </p:sp>
+    </p:spTree>
+    <p:extLst>
+      <p:ext uri="{BB962C8B-B14F-4D97-AF65-F5344CB8AC3E}">
+        <p14:creationId xmlns:p14="http://schemas.microsoft.com/office/powerpoint/2010/main" val="3983093826"/>
+      </p:ext>
+    </p:extLst>
+  </p:cSld>
+  <p:clrMapOvr>
+    <a:masterClrMapping/>
+  </p:clrMapOvr>
+</p:sld>
+</file>
+
+<file path=ppt/slides/slide35.xml><?xml version="1.0" encoding="utf-8"?>
+<p:sld xmlns:a="http://schemas.openxmlformats.org/drawingml/2006/main" xmlns:r="http://schemas.openxmlformats.org/officeDocument/2006/relationships" xmlns:p="http://schemas.openxmlformats.org/presentationml/2006/main">
+  <p:cSld>
+    <p:spTree>
+      <p:nvGrpSpPr>
+        <p:cNvPr id="1" name=""/>
+        <p:cNvGrpSpPr/>
+        <p:nvPr/>
+      </p:nvGrpSpPr>
+      <p:grpSpPr>
+        <a:xfrm>
+          <a:off x="0" y="0"/>
+          <a:ext cx="0" cy="0"/>
+          <a:chOff x="0" y="0"/>
+          <a:chExt cx="0" cy="0"/>
+        </a:xfrm>
+      </p:grpSpPr>
+      <p:sp>
+        <p:nvSpPr>
+          <p:cNvPr id="2" name="Rectangle 476"/>
+          <p:cNvSpPr/>
+          <p:nvPr/>
+        </p:nvSpPr>
+        <p:spPr>
+          <a:xfrm>
+            <a:off x="385589" y="163394"/>
+            <a:ext cx="8496522" cy="1048462"/>
+          </a:xfrm>
+          <a:prstGeom prst="rect">
+            <a:avLst/>
+          </a:prstGeom>
+          <a:ln>
+            <a:noFill/>
+          </a:ln>
+        </p:spPr>
+        <p:txBody>
+          <a:bodyPr vert="horz" lIns="0" tIns="0" rIns="0" bIns="0" rtlCol="0">
+            <a:noAutofit/>
+          </a:bodyPr>
+          <a:lstStyle/>
+          <a:p>
+            <a:pPr>
+              <a:lnSpc>
+                <a:spcPct val="107000"/>
+              </a:lnSpc>
+              <a:spcAft>
+                <a:spcPts val="800"/>
+              </a:spcAft>
+            </a:pPr>
+            <a:r>
+              <a:rPr lang="th-TH" sz="4400" dirty="0" smtClean="0">
+                <a:solidFill>
+                  <a:srgbClr val="000000"/>
+                </a:solidFill>
+                <a:effectLst/>
+                <a:latin typeface="Calibri" panose="020F0502020204030204" pitchFamily="34" charset="0"/>
+                <a:ea typeface="Calibri" panose="020F0502020204030204" pitchFamily="34" charset="0"/>
+              </a:rPr>
+              <a:t>การส่งข้อมูล ขึ้นระบบ ด้วย </a:t>
+            </a:r>
+            <a:r>
+              <a:rPr lang="en-US" sz="4400" dirty="0" smtClean="0">
+                <a:solidFill>
+                  <a:srgbClr val="000000"/>
+                </a:solidFill>
+                <a:effectLst/>
+                <a:latin typeface="Calibri" panose="020F0502020204030204" pitchFamily="34" charset="0"/>
+                <a:ea typeface="Calibri" panose="020F0502020204030204" pitchFamily="34" charset="0"/>
+              </a:rPr>
+              <a:t>LoRa Esp32 OLED</a:t>
+            </a:r>
+            <a:endParaRPr lang="en-US" sz="4400" dirty="0">
+              <a:solidFill>
+                <a:srgbClr val="000000"/>
+              </a:solidFill>
+              <a:effectLst/>
+              <a:latin typeface="Calibri" panose="020F0502020204030204" pitchFamily="34" charset="0"/>
+              <a:ea typeface="Calibri" panose="020F0502020204030204" pitchFamily="34" charset="0"/>
+            </a:endParaRPr>
+          </a:p>
+        </p:txBody>
+      </p:sp>
+      <p:pic>
+        <p:nvPicPr>
+          <p:cNvPr id="3" name="รูปภาพ 2"/>
+          <p:cNvPicPr>
+            <a:picLocks noChangeAspect="1"/>
+          </p:cNvPicPr>
+          <p:nvPr/>
+        </p:nvPicPr>
+        <p:blipFill>
+          <a:blip r:embed="rId2"/>
+          <a:stretch>
+            <a:fillRect/>
+          </a:stretch>
+        </p:blipFill>
+        <p:spPr>
+          <a:xfrm>
+            <a:off x="830280" y="1623407"/>
+            <a:ext cx="1516312" cy="1323263"/>
+          </a:xfrm>
+          <a:prstGeom prst="rect">
+            <a:avLst/>
+          </a:prstGeom>
+        </p:spPr>
+      </p:pic>
+      <p:sp>
+        <p:nvSpPr>
+          <p:cNvPr id="4" name="Rectangle 476"/>
+          <p:cNvSpPr/>
+          <p:nvPr/>
+        </p:nvSpPr>
+        <p:spPr>
+          <a:xfrm>
+            <a:off x="385589" y="1211856"/>
+            <a:ext cx="2320694" cy="530669"/>
+          </a:xfrm>
+          <a:prstGeom prst="rect">
+            <a:avLst/>
+          </a:prstGeom>
+          <a:ln>
+            <a:noFill/>
+          </a:ln>
+        </p:spPr>
+        <p:txBody>
+          <a:bodyPr vert="horz" lIns="0" tIns="0" rIns="0" bIns="0" rtlCol="0">
+            <a:noAutofit/>
+          </a:bodyPr>
+          <a:lstStyle/>
+          <a:p>
+            <a:pPr algn="ctr">
+              <a:lnSpc>
+                <a:spcPct val="107000"/>
+              </a:lnSpc>
+              <a:spcAft>
+                <a:spcPts val="800"/>
+              </a:spcAft>
+            </a:pPr>
+            <a:r>
+              <a:rPr lang="en-US" sz="2400" dirty="0" smtClean="0">
+                <a:solidFill>
+                  <a:srgbClr val="FF0000"/>
+                </a:solidFill>
+                <a:latin typeface="Calibri" panose="020F0502020204030204" pitchFamily="34" charset="0"/>
+                <a:ea typeface="Calibri" panose="020F0502020204030204" pitchFamily="34" charset="0"/>
+              </a:rPr>
+              <a:t>LoRa Master</a:t>
+            </a:r>
+            <a:endParaRPr lang="en-US" sz="2400" dirty="0">
+              <a:solidFill>
+                <a:srgbClr val="FF0000"/>
+              </a:solidFill>
+              <a:effectLst/>
+              <a:latin typeface="Calibri" panose="020F0502020204030204" pitchFamily="34" charset="0"/>
+              <a:ea typeface="Calibri" panose="020F0502020204030204" pitchFamily="34" charset="0"/>
+            </a:endParaRPr>
+          </a:p>
+        </p:txBody>
+      </p:sp>
+      <p:sp>
+        <p:nvSpPr>
+          <p:cNvPr id="5" name="Rectangle 476"/>
+          <p:cNvSpPr/>
+          <p:nvPr/>
+        </p:nvSpPr>
+        <p:spPr>
+          <a:xfrm>
+            <a:off x="2706282" y="1211855"/>
+            <a:ext cx="5366563" cy="530669"/>
+          </a:xfrm>
+          <a:prstGeom prst="rect">
+            <a:avLst/>
+          </a:prstGeom>
+          <a:ln>
+            <a:noFill/>
+          </a:ln>
+        </p:spPr>
+        <p:txBody>
+          <a:bodyPr vert="horz" lIns="0" tIns="0" rIns="0" bIns="0" rtlCol="0">
+            <a:noAutofit/>
+          </a:bodyPr>
+          <a:lstStyle/>
+          <a:p>
+            <a:pPr>
+              <a:lnSpc>
+                <a:spcPct val="107000"/>
+              </a:lnSpc>
+              <a:spcAft>
+                <a:spcPts val="800"/>
+              </a:spcAft>
+            </a:pPr>
+            <a:r>
+              <a:rPr lang="en-US" sz="2400" dirty="0">
+                <a:solidFill>
+                  <a:srgbClr val="000000"/>
+                </a:solidFill>
+                <a:latin typeface="Calibri" panose="020F0502020204030204" pitchFamily="34" charset="0"/>
+                <a:ea typeface="Calibri" panose="020F0502020204030204" pitchFamily="34" charset="0"/>
+              </a:rPr>
+              <a:t>1. </a:t>
+            </a:r>
+            <a:r>
+              <a:rPr lang="en-US" sz="2400" dirty="0" smtClean="0">
+                <a:solidFill>
+                  <a:srgbClr val="000000"/>
+                </a:solidFill>
+                <a:latin typeface="Calibri" panose="020F0502020204030204" pitchFamily="34" charset="0"/>
+                <a:ea typeface="Calibri" panose="020F0502020204030204" pitchFamily="34" charset="0"/>
+              </a:rPr>
+              <a:t>File </a:t>
+            </a:r>
+            <a:r>
+              <a:rPr lang="th-TH" sz="2400" dirty="0" smtClean="0">
+                <a:solidFill>
+                  <a:srgbClr val="000000"/>
+                </a:solidFill>
+                <a:latin typeface="Calibri" panose="020F0502020204030204" pitchFamily="34" charset="0"/>
+                <a:ea typeface="Calibri" panose="020F0502020204030204" pitchFamily="34" charset="0"/>
+              </a:rPr>
+              <a:t>โปรแกรมของ </a:t>
+            </a:r>
+            <a:r>
+              <a:rPr lang="en-US" sz="2400" dirty="0" smtClean="0">
+                <a:solidFill>
+                  <a:srgbClr val="000000"/>
+                </a:solidFill>
+                <a:latin typeface="Calibri" panose="020F0502020204030204" pitchFamily="34" charset="0"/>
+                <a:ea typeface="Calibri" panose="020F0502020204030204" pitchFamily="34" charset="0"/>
+              </a:rPr>
+              <a:t>LoRa </a:t>
+            </a:r>
+            <a:r>
+              <a:rPr lang="th-TH" sz="2400" dirty="0" smtClean="0">
+                <a:solidFill>
+                  <a:srgbClr val="000000"/>
+                </a:solidFill>
+                <a:latin typeface="Calibri" panose="020F0502020204030204" pitchFamily="34" charset="0"/>
+                <a:ea typeface="Calibri" panose="020F0502020204030204" pitchFamily="34" charset="0"/>
+              </a:rPr>
+              <a:t>ตัวที่จะเป็น </a:t>
+            </a:r>
+            <a:r>
+              <a:rPr lang="en-US" sz="2400" dirty="0" smtClean="0">
+                <a:solidFill>
+                  <a:srgbClr val="000000"/>
+                </a:solidFill>
+                <a:latin typeface="Calibri" panose="020F0502020204030204" pitchFamily="34" charset="0"/>
+                <a:ea typeface="Calibri" panose="020F0502020204030204" pitchFamily="34" charset="0"/>
+              </a:rPr>
+              <a:t>Master</a:t>
+            </a:r>
+          </a:p>
+          <a:p>
+            <a:pPr>
+              <a:lnSpc>
+                <a:spcPct val="107000"/>
+              </a:lnSpc>
+              <a:spcAft>
+                <a:spcPts val="800"/>
+              </a:spcAft>
+            </a:pPr>
+            <a:r>
+              <a:rPr lang="en-US" sz="2400" dirty="0" smtClean="0">
+                <a:solidFill>
+                  <a:srgbClr val="000000"/>
+                </a:solidFill>
+                <a:latin typeface="Calibri" panose="020F0502020204030204" pitchFamily="34" charset="0"/>
+                <a:ea typeface="Calibri" panose="020F0502020204030204" pitchFamily="34" charset="0"/>
+              </a:rPr>
+              <a:t>LoRaMaster_V1.ino</a:t>
+            </a:r>
+          </a:p>
+          <a:p>
+            <a:pPr>
+              <a:lnSpc>
+                <a:spcPct val="107000"/>
+              </a:lnSpc>
+              <a:spcAft>
+                <a:spcPts val="800"/>
+              </a:spcAft>
+            </a:pPr>
+            <a:r>
+              <a:rPr lang="th-TH" sz="2400" dirty="0" smtClean="0">
+                <a:solidFill>
+                  <a:srgbClr val="000000"/>
+                </a:solidFill>
+                <a:effectLst/>
+                <a:latin typeface="Calibri" panose="020F0502020204030204" pitchFamily="34" charset="0"/>
+                <a:ea typeface="Calibri" panose="020F0502020204030204" pitchFamily="34" charset="0"/>
+              </a:rPr>
+              <a:t>เสียบบอร์ด และ </a:t>
+            </a:r>
+            <a:r>
+              <a:rPr lang="en-US" sz="2400" dirty="0" smtClean="0">
+                <a:solidFill>
+                  <a:srgbClr val="000000"/>
+                </a:solidFill>
+                <a:effectLst/>
+                <a:latin typeface="Calibri" panose="020F0502020204030204" pitchFamily="34" charset="0"/>
+                <a:ea typeface="Calibri" panose="020F0502020204030204" pitchFamily="34" charset="0"/>
+              </a:rPr>
+              <a:t>Download </a:t>
+            </a:r>
+            <a:r>
+              <a:rPr lang="th-TH" sz="2400" dirty="0" smtClean="0">
+                <a:solidFill>
+                  <a:srgbClr val="000000"/>
+                </a:solidFill>
+                <a:effectLst/>
+                <a:latin typeface="Calibri" panose="020F0502020204030204" pitchFamily="34" charset="0"/>
+                <a:ea typeface="Calibri" panose="020F0502020204030204" pitchFamily="34" charset="0"/>
+              </a:rPr>
+              <a:t>ตัวอย่างโปรแกรมจาก </a:t>
+            </a:r>
+            <a:endParaRPr lang="en-US" sz="2400" smtClean="0">
+              <a:solidFill>
+                <a:srgbClr val="000000"/>
+              </a:solidFill>
+              <a:effectLst/>
+              <a:latin typeface="Calibri" panose="020F0502020204030204" pitchFamily="34" charset="0"/>
+              <a:ea typeface="Calibri" panose="020F0502020204030204" pitchFamily="34" charset="0"/>
+            </a:endParaRPr>
+          </a:p>
+          <a:p>
+            <a:pPr>
+              <a:lnSpc>
+                <a:spcPct val="107000"/>
+              </a:lnSpc>
+              <a:spcAft>
+                <a:spcPts val="800"/>
+              </a:spcAft>
+            </a:pPr>
+            <a:endParaRPr lang="en-US" sz="2400" dirty="0">
+              <a:solidFill>
+                <a:srgbClr val="000000"/>
+              </a:solidFill>
+              <a:effectLst/>
+              <a:latin typeface="Calibri" panose="020F0502020204030204" pitchFamily="34" charset="0"/>
+              <a:ea typeface="Calibri" panose="020F0502020204030204" pitchFamily="34" charset="0"/>
+            </a:endParaRPr>
+          </a:p>
+        </p:txBody>
+      </p:sp>
+      <p:pic>
+        <p:nvPicPr>
+          <p:cNvPr id="6" name="รูปภาพ 5"/>
+          <p:cNvPicPr>
+            <a:picLocks noChangeAspect="1"/>
+          </p:cNvPicPr>
+          <p:nvPr/>
+        </p:nvPicPr>
+        <p:blipFill>
+          <a:blip r:embed="rId3"/>
+          <a:stretch>
+            <a:fillRect/>
+          </a:stretch>
+        </p:blipFill>
+        <p:spPr>
+          <a:xfrm>
+            <a:off x="7514544" y="1126066"/>
+            <a:ext cx="2418106" cy="497341"/>
+          </a:xfrm>
+          <a:prstGeom prst="rect">
+            <a:avLst/>
+          </a:prstGeom>
+        </p:spPr>
+      </p:pic>
+    </p:spTree>
+    <p:extLst>
+      <p:ext uri="{BB962C8B-B14F-4D97-AF65-F5344CB8AC3E}">
+        <p14:creationId xmlns:p14="http://schemas.microsoft.com/office/powerpoint/2010/main" val="1637592712"/>
+      </p:ext>
+    </p:extLst>
+  </p:cSld>
+  <p:clrMapOvr>
+    <a:masterClrMapping/>
+  </p:clrMapOvr>
+</p:sld>
+</file>
+
+<file path=ppt/slides/slide36.xml><?xml version="1.0" encoding="utf-8"?>
+<p:sld xmlns:a="http://schemas.openxmlformats.org/drawingml/2006/main" xmlns:r="http://schemas.openxmlformats.org/officeDocument/2006/relationships" xmlns:p="http://schemas.openxmlformats.org/presentationml/2006/main">
+  <p:cSld>
+    <p:spTree>
+      <p:nvGrpSpPr>
+        <p:cNvPr id="1" name=""/>
+        <p:cNvGrpSpPr/>
+        <p:nvPr/>
+      </p:nvGrpSpPr>
+      <p:grpSpPr>
+        <a:xfrm>
+          <a:off x="0" y="0"/>
+          <a:ext cx="0" cy="0"/>
+          <a:chOff x="0" y="0"/>
+          <a:chExt cx="0" cy="0"/>
+        </a:xfrm>
+      </p:grpSpPr>
+      <p:sp>
+        <p:nvSpPr>
+          <p:cNvPr id="2" name="Rectangle 476"/>
+          <p:cNvSpPr/>
+          <p:nvPr/>
+        </p:nvSpPr>
+        <p:spPr>
+          <a:xfrm>
+            <a:off x="385589" y="163394"/>
+            <a:ext cx="8496522" cy="1048462"/>
+          </a:xfrm>
+          <a:prstGeom prst="rect">
+            <a:avLst/>
+          </a:prstGeom>
+          <a:ln>
+            <a:noFill/>
+          </a:ln>
+        </p:spPr>
+        <p:txBody>
+          <a:bodyPr vert="horz" lIns="0" tIns="0" rIns="0" bIns="0" rtlCol="0">
+            <a:noAutofit/>
+          </a:bodyPr>
+          <a:lstStyle/>
+          <a:p>
+            <a:pPr>
+              <a:lnSpc>
+                <a:spcPct val="107000"/>
+              </a:lnSpc>
+              <a:spcAft>
+                <a:spcPts val="800"/>
+              </a:spcAft>
+            </a:pPr>
+            <a:r>
+              <a:rPr lang="th-TH" sz="4400" dirty="0" smtClean="0">
+                <a:solidFill>
+                  <a:srgbClr val="000000"/>
+                </a:solidFill>
+                <a:effectLst/>
+                <a:latin typeface="Calibri" panose="020F0502020204030204" pitchFamily="34" charset="0"/>
+                <a:ea typeface="Calibri" panose="020F0502020204030204" pitchFamily="34" charset="0"/>
+              </a:rPr>
+              <a:t>การส่งข้อมูล ขึ้นระบบ ด้วย </a:t>
+            </a:r>
+            <a:r>
+              <a:rPr lang="en-US" sz="4400" dirty="0" smtClean="0">
+                <a:solidFill>
+                  <a:srgbClr val="000000"/>
+                </a:solidFill>
+                <a:effectLst/>
+                <a:latin typeface="Calibri" panose="020F0502020204030204" pitchFamily="34" charset="0"/>
+                <a:ea typeface="Calibri" panose="020F0502020204030204" pitchFamily="34" charset="0"/>
+              </a:rPr>
+              <a:t>LoRa Esp32 OLED</a:t>
+            </a:r>
+            <a:endParaRPr lang="en-US" sz="4400" dirty="0">
+              <a:solidFill>
+                <a:srgbClr val="000000"/>
+              </a:solidFill>
+              <a:effectLst/>
+              <a:latin typeface="Calibri" panose="020F0502020204030204" pitchFamily="34" charset="0"/>
+              <a:ea typeface="Calibri" panose="020F0502020204030204" pitchFamily="34" charset="0"/>
+            </a:endParaRPr>
+          </a:p>
+        </p:txBody>
+      </p:sp>
+    </p:spTree>
+    <p:extLst>
+      <p:ext uri="{BB962C8B-B14F-4D97-AF65-F5344CB8AC3E}">
+        <p14:creationId xmlns:p14="http://schemas.microsoft.com/office/powerpoint/2010/main" val="502737189"/>
       </p:ext>
     </p:extLst>
   </p:cSld>

--- a/Documents/LoRaIOTGoogleCoudPlatform.pptx
+++ b/Documents/LoRaIOTGoogleCoudPlatform.pptx
@@ -40,7 +40,8 @@
     <p:sldId id="290" r:id="rId34"/>
     <p:sldId id="291" r:id="rId35"/>
     <p:sldId id="292" r:id="rId36"/>
-    <p:sldId id="293" r:id="rId37"/>
+    <p:sldId id="294" r:id="rId37"/>
+    <p:sldId id="293" r:id="rId38"/>
   </p:sldIdLst>
   <p:sldSz cx="12192000" cy="6858000"/>
   <p:notesSz cx="6858000" cy="9144000"/>
@@ -13686,7 +13687,7 @@
         <p:spPr>
           <a:xfrm>
             <a:off x="2706282" y="1211855"/>
-            <a:ext cx="5366563" cy="530669"/>
+            <a:ext cx="5997043" cy="530669"/>
           </a:xfrm>
           <a:prstGeom prst="rect">
             <a:avLst/>
@@ -13830,13 +13831,23 @@
                 <a:latin typeface="Calibri" panose="020F0502020204030204" pitchFamily="34" charset="0"/>
                 <a:ea typeface="Calibri" panose="020F0502020204030204" pitchFamily="34" charset="0"/>
               </a:rPr>
-              <a:t>ตัวอย่างโปรแกรมจาก </a:t>
-            </a:r>
-            <a:endParaRPr lang="en-US" sz="2400" smtClean="0">
+              <a:t>ตัวอย่างโปรแกรม</a:t>
+            </a:r>
+            <a:r>
+              <a:rPr lang="th-TH" sz="2400" dirty="0" smtClean="0">
+                <a:solidFill>
+                  <a:srgbClr val="000000"/>
+                </a:solidFill>
+                <a:effectLst/>
+                <a:latin typeface="Calibri" panose="020F0502020204030204" pitchFamily="34" charset="0"/>
+                <a:ea typeface="Calibri" panose="020F0502020204030204" pitchFamily="34" charset="0"/>
+              </a:rPr>
+              <a:t>จาก </a:t>
+            </a:r>
+            <a:endParaRPr lang="en-US" sz="2400" dirty="0">
               <a:solidFill>
                 <a:srgbClr val="000000"/>
               </a:solidFill>
-              <a:effectLst/>
               <a:latin typeface="Calibri" panose="020F0502020204030204" pitchFamily="34" charset="0"/>
               <a:ea typeface="Calibri" panose="020F0502020204030204" pitchFamily="34" charset="0"/>
             </a:endParaRPr>
@@ -13850,6 +13861,62 @@
                 <a:spcPts val="800"/>
               </a:spcAft>
             </a:pPr>
+            <a:r>
+              <a:rPr lang="en-US" sz="1400" dirty="0">
+                <a:hlinkClick r:id="rId3"/>
+              </a:rPr>
+              <a:t>https://github.com/akarawat/GCPLoRaTraining/blob/master/Source%20Code/IOT%20Device/LoRaMaster_V1/LoRaMaster_V1.ino</a:t>
+            </a:r>
+            <a:endParaRPr lang="en-US" sz="1400" dirty="0" smtClean="0">
+              <a:solidFill>
+                <a:srgbClr val="000000"/>
+              </a:solidFill>
+              <a:effectLst/>
+              <a:latin typeface="Calibri" panose="020F0502020204030204" pitchFamily="34" charset="0"/>
+              <a:ea typeface="Calibri" panose="020F0502020204030204" pitchFamily="34" charset="0"/>
+            </a:endParaRPr>
+          </a:p>
+          <a:p>
+            <a:pPr>
+              <a:lnSpc>
+                <a:spcPct val="107000"/>
+              </a:lnSpc>
+              <a:spcAft>
+                <a:spcPts val="800"/>
+              </a:spcAft>
+            </a:pPr>
+            <a:r>
+              <a:rPr lang="th-TH" sz="2400" dirty="0" smtClean="0">
+                <a:solidFill>
+                  <a:srgbClr val="000000"/>
+                </a:solidFill>
+                <a:effectLst/>
+                <a:latin typeface="Calibri" panose="020F0502020204030204" pitchFamily="34" charset="0"/>
+                <a:ea typeface="Calibri" panose="020F0502020204030204" pitchFamily="34" charset="0"/>
+              </a:rPr>
+              <a:t>ทำการเลือกบอร์ด และ </a:t>
+            </a:r>
+            <a:r>
+              <a:rPr lang="en-US" sz="2400" dirty="0" smtClean="0">
+                <a:solidFill>
+                  <a:srgbClr val="000000"/>
+                </a:solidFill>
+                <a:latin typeface="Calibri" panose="020F0502020204030204" pitchFamily="34" charset="0"/>
+                <a:ea typeface="Calibri" panose="020F0502020204030204" pitchFamily="34" charset="0"/>
+              </a:rPr>
+              <a:t>Upload </a:t>
+            </a:r>
+            <a:r>
+              <a:rPr lang="th-TH" sz="2400" dirty="0" smtClean="0">
+                <a:solidFill>
+                  <a:srgbClr val="000000"/>
+                </a:solidFill>
+                <a:effectLst/>
+                <a:latin typeface="Calibri" panose="020F0502020204030204" pitchFamily="34" charset="0"/>
+                <a:ea typeface="Calibri" panose="020F0502020204030204" pitchFamily="34" charset="0"/>
+              </a:rPr>
+              <a:t>โปรแกรมที่ได้ดาวน์โหลดมาลงไป</a:t>
+            </a:r>
             <a:endParaRPr lang="en-US" sz="2400" dirty="0">
               <a:solidFill>
                 <a:srgbClr val="000000"/>
@@ -13870,7 +13937,7 @@
           <p:nvPr/>
         </p:nvPicPr>
         <p:blipFill>
-          <a:blip r:embed="rId3"/>
+          <a:blip r:embed="rId4"/>
           <a:stretch>
             <a:fillRect/>
           </a:stretch>
@@ -13879,6 +13946,30 @@
           <a:xfrm>
             <a:off x="7514544" y="1126066"/>
             <a:ext cx="2418106" cy="497341"/>
+          </a:xfrm>
+          <a:prstGeom prst="rect">
+            <a:avLst/>
+          </a:prstGeom>
+        </p:spPr>
+      </p:pic>
+      <p:pic>
+        <p:nvPicPr>
+          <p:cNvPr id="7" name="รูปภาพ 6"/>
+          <p:cNvPicPr>
+            <a:picLocks noChangeAspect="1"/>
+          </p:cNvPicPr>
+          <p:nvPr/>
+        </p:nvPicPr>
+        <p:blipFill>
+          <a:blip r:embed="rId5"/>
+          <a:stretch>
+            <a:fillRect/>
+          </a:stretch>
+        </p:blipFill>
+        <p:spPr>
+          <a:xfrm>
+            <a:off x="2706282" y="3720122"/>
+            <a:ext cx="3364964" cy="2538835"/>
           </a:xfrm>
           <a:prstGeom prst="rect">
             <a:avLst/>
@@ -13968,6 +14059,500 @@
                 <a:ea typeface="Calibri" panose="020F0502020204030204" pitchFamily="34" charset="0"/>
               </a:rPr>
               <a:t>LoRa Esp32 OLED</a:t>
+            </a:r>
+            <a:endParaRPr lang="en-US" sz="4400" dirty="0">
+              <a:solidFill>
+                <a:srgbClr val="000000"/>
+              </a:solidFill>
+              <a:effectLst/>
+              <a:latin typeface="Calibri" panose="020F0502020204030204" pitchFamily="34" charset="0"/>
+              <a:ea typeface="Calibri" panose="020F0502020204030204" pitchFamily="34" charset="0"/>
+            </a:endParaRPr>
+          </a:p>
+        </p:txBody>
+      </p:sp>
+      <p:pic>
+        <p:nvPicPr>
+          <p:cNvPr id="3" name="รูปภาพ 2"/>
+          <p:cNvPicPr>
+            <a:picLocks noChangeAspect="1"/>
+          </p:cNvPicPr>
+          <p:nvPr/>
+        </p:nvPicPr>
+        <p:blipFill>
+          <a:blip r:embed="rId2"/>
+          <a:stretch>
+            <a:fillRect/>
+          </a:stretch>
+        </p:blipFill>
+        <p:spPr>
+          <a:xfrm>
+            <a:off x="830280" y="1623407"/>
+            <a:ext cx="1516312" cy="1323263"/>
+          </a:xfrm>
+          <a:prstGeom prst="rect">
+            <a:avLst/>
+          </a:prstGeom>
+        </p:spPr>
+      </p:pic>
+      <p:sp>
+        <p:nvSpPr>
+          <p:cNvPr id="4" name="Rectangle 476"/>
+          <p:cNvSpPr/>
+          <p:nvPr/>
+        </p:nvSpPr>
+        <p:spPr>
+          <a:xfrm>
+            <a:off x="385589" y="1211856"/>
+            <a:ext cx="2320694" cy="530669"/>
+          </a:xfrm>
+          <a:prstGeom prst="rect">
+            <a:avLst/>
+          </a:prstGeom>
+          <a:ln>
+            <a:noFill/>
+          </a:ln>
+        </p:spPr>
+        <p:txBody>
+          <a:bodyPr vert="horz" lIns="0" tIns="0" rIns="0" bIns="0" rtlCol="0">
+            <a:noAutofit/>
+          </a:bodyPr>
+          <a:lstStyle/>
+          <a:p>
+            <a:pPr algn="ctr">
+              <a:lnSpc>
+                <a:spcPct val="107000"/>
+              </a:lnSpc>
+              <a:spcAft>
+                <a:spcPts val="800"/>
+              </a:spcAft>
+            </a:pPr>
+            <a:r>
+              <a:rPr lang="en-US" sz="2400" dirty="0" smtClean="0">
+                <a:solidFill>
+                  <a:srgbClr val="FF0000"/>
+                </a:solidFill>
+                <a:latin typeface="Calibri" panose="020F0502020204030204" pitchFamily="34" charset="0"/>
+                <a:ea typeface="Calibri" panose="020F0502020204030204" pitchFamily="34" charset="0"/>
+              </a:rPr>
+              <a:t>LoRa </a:t>
+            </a:r>
+            <a:r>
+              <a:rPr lang="en-US" sz="2400" dirty="0" smtClean="0">
+                <a:solidFill>
+                  <a:srgbClr val="FF0000"/>
+                </a:solidFill>
+                <a:latin typeface="Calibri" panose="020F0502020204030204" pitchFamily="34" charset="0"/>
+                <a:ea typeface="Calibri" panose="020F0502020204030204" pitchFamily="34" charset="0"/>
+              </a:rPr>
+              <a:t>Node</a:t>
+            </a:r>
+            <a:endParaRPr lang="en-US" sz="2400" dirty="0">
+              <a:solidFill>
+                <a:srgbClr val="FF0000"/>
+              </a:solidFill>
+              <a:effectLst/>
+              <a:latin typeface="Calibri" panose="020F0502020204030204" pitchFamily="34" charset="0"/>
+              <a:ea typeface="Calibri" panose="020F0502020204030204" pitchFamily="34" charset="0"/>
+            </a:endParaRPr>
+          </a:p>
+        </p:txBody>
+      </p:sp>
+      <p:sp>
+        <p:nvSpPr>
+          <p:cNvPr id="5" name="Rectangle 476"/>
+          <p:cNvSpPr/>
+          <p:nvPr/>
+        </p:nvSpPr>
+        <p:spPr>
+          <a:xfrm>
+            <a:off x="2706282" y="1211855"/>
+            <a:ext cx="5997043" cy="530669"/>
+          </a:xfrm>
+          <a:prstGeom prst="rect">
+            <a:avLst/>
+          </a:prstGeom>
+          <a:ln>
+            <a:noFill/>
+          </a:ln>
+        </p:spPr>
+        <p:txBody>
+          <a:bodyPr vert="horz" lIns="0" tIns="0" rIns="0" bIns="0" rtlCol="0">
+            <a:noAutofit/>
+          </a:bodyPr>
+          <a:lstStyle/>
+          <a:p>
+            <a:pPr>
+              <a:lnSpc>
+                <a:spcPct val="107000"/>
+              </a:lnSpc>
+              <a:spcAft>
+                <a:spcPts val="800"/>
+              </a:spcAft>
+            </a:pPr>
+            <a:r>
+              <a:rPr lang="en-US" sz="2400" dirty="0" smtClean="0">
+                <a:solidFill>
+                  <a:srgbClr val="000000"/>
+                </a:solidFill>
+                <a:latin typeface="Calibri" panose="020F0502020204030204" pitchFamily="34" charset="0"/>
+                <a:ea typeface="Calibri" panose="020F0502020204030204" pitchFamily="34" charset="0"/>
+              </a:rPr>
+              <a:t>2. </a:t>
+            </a:r>
+            <a:r>
+              <a:rPr lang="en-US" sz="2400" dirty="0" smtClean="0">
+                <a:solidFill>
+                  <a:srgbClr val="000000"/>
+                </a:solidFill>
+                <a:latin typeface="Calibri" panose="020F0502020204030204" pitchFamily="34" charset="0"/>
+                <a:ea typeface="Calibri" panose="020F0502020204030204" pitchFamily="34" charset="0"/>
+              </a:rPr>
+              <a:t>File </a:t>
+            </a:r>
+            <a:r>
+              <a:rPr lang="th-TH" sz="2400" dirty="0" smtClean="0">
+                <a:solidFill>
+                  <a:srgbClr val="000000"/>
+                </a:solidFill>
+                <a:latin typeface="Calibri" panose="020F0502020204030204" pitchFamily="34" charset="0"/>
+                <a:ea typeface="Calibri" panose="020F0502020204030204" pitchFamily="34" charset="0"/>
+              </a:rPr>
+              <a:t>โปรแกรมของ </a:t>
+            </a:r>
+            <a:r>
+              <a:rPr lang="en-US" sz="2400" dirty="0" smtClean="0">
+                <a:solidFill>
+                  <a:srgbClr val="000000"/>
+                </a:solidFill>
+                <a:latin typeface="Calibri" panose="020F0502020204030204" pitchFamily="34" charset="0"/>
+                <a:ea typeface="Calibri" panose="020F0502020204030204" pitchFamily="34" charset="0"/>
+              </a:rPr>
+              <a:t>LoRa </a:t>
+            </a:r>
+            <a:r>
+              <a:rPr lang="th-TH" sz="2400" dirty="0" smtClean="0">
+                <a:solidFill>
+                  <a:srgbClr val="000000"/>
+                </a:solidFill>
+                <a:latin typeface="Calibri" panose="020F0502020204030204" pitchFamily="34" charset="0"/>
+                <a:ea typeface="Calibri" panose="020F0502020204030204" pitchFamily="34" charset="0"/>
+              </a:rPr>
+              <a:t>ตัวที่จะเป็น </a:t>
+            </a:r>
+            <a:r>
+              <a:rPr lang="en-US" sz="2400" dirty="0" smtClean="0">
+                <a:solidFill>
+                  <a:srgbClr val="000000"/>
+                </a:solidFill>
+                <a:latin typeface="Calibri" panose="020F0502020204030204" pitchFamily="34" charset="0"/>
+                <a:ea typeface="Calibri" panose="020F0502020204030204" pitchFamily="34" charset="0"/>
+              </a:rPr>
+              <a:t>Node</a:t>
+            </a:r>
+            <a:endParaRPr lang="en-US" sz="2400" dirty="0" smtClean="0">
+              <a:solidFill>
+                <a:srgbClr val="000000"/>
+              </a:solidFill>
+              <a:latin typeface="Calibri" panose="020F0502020204030204" pitchFamily="34" charset="0"/>
+              <a:ea typeface="Calibri" panose="020F0502020204030204" pitchFamily="34" charset="0"/>
+            </a:endParaRPr>
+          </a:p>
+          <a:p>
+            <a:pPr>
+              <a:lnSpc>
+                <a:spcPct val="107000"/>
+              </a:lnSpc>
+              <a:spcAft>
+                <a:spcPts val="800"/>
+              </a:spcAft>
+            </a:pPr>
+            <a:r>
+              <a:rPr lang="en-US" sz="2400" dirty="0" smtClean="0">
+                <a:solidFill>
+                  <a:srgbClr val="000000"/>
+                </a:solidFill>
+                <a:latin typeface="Calibri" panose="020F0502020204030204" pitchFamily="34" charset="0"/>
+                <a:ea typeface="Calibri" panose="020F0502020204030204" pitchFamily="34" charset="0"/>
+              </a:rPr>
+              <a:t>LoRaNode_V1.ino</a:t>
+            </a:r>
+            <a:endParaRPr lang="en-US" sz="2400" dirty="0" smtClean="0">
+              <a:solidFill>
+                <a:srgbClr val="000000"/>
+              </a:solidFill>
+              <a:latin typeface="Calibri" panose="020F0502020204030204" pitchFamily="34" charset="0"/>
+              <a:ea typeface="Calibri" panose="020F0502020204030204" pitchFamily="34" charset="0"/>
+            </a:endParaRPr>
+          </a:p>
+          <a:p>
+            <a:pPr>
+              <a:lnSpc>
+                <a:spcPct val="107000"/>
+              </a:lnSpc>
+              <a:spcAft>
+                <a:spcPts val="800"/>
+              </a:spcAft>
+            </a:pPr>
+            <a:r>
+              <a:rPr lang="th-TH" sz="2400" dirty="0" smtClean="0">
+                <a:solidFill>
+                  <a:srgbClr val="000000"/>
+                </a:solidFill>
+                <a:effectLst/>
+                <a:latin typeface="Calibri" panose="020F0502020204030204" pitchFamily="34" charset="0"/>
+                <a:ea typeface="Calibri" panose="020F0502020204030204" pitchFamily="34" charset="0"/>
+              </a:rPr>
+              <a:t>เสียบบอร์ด และ </a:t>
+            </a:r>
+            <a:r>
+              <a:rPr lang="en-US" sz="2400" dirty="0" smtClean="0">
+                <a:solidFill>
+                  <a:srgbClr val="000000"/>
+                </a:solidFill>
+                <a:effectLst/>
+                <a:latin typeface="Calibri" panose="020F0502020204030204" pitchFamily="34" charset="0"/>
+                <a:ea typeface="Calibri" panose="020F0502020204030204" pitchFamily="34" charset="0"/>
+              </a:rPr>
+              <a:t>Download </a:t>
+            </a:r>
+            <a:r>
+              <a:rPr lang="th-TH" sz="2400" dirty="0" smtClean="0">
+                <a:solidFill>
+                  <a:srgbClr val="000000"/>
+                </a:solidFill>
+                <a:effectLst/>
+                <a:latin typeface="Calibri" panose="020F0502020204030204" pitchFamily="34" charset="0"/>
+                <a:ea typeface="Calibri" panose="020F0502020204030204" pitchFamily="34" charset="0"/>
+              </a:rPr>
+              <a:t>ตัวอย่างโปรแกรม</a:t>
+            </a:r>
+            <a:r>
+              <a:rPr lang="th-TH" sz="2400" dirty="0" smtClean="0">
+                <a:solidFill>
+                  <a:srgbClr val="000000"/>
+                </a:solidFill>
+                <a:effectLst/>
+                <a:latin typeface="Calibri" panose="020F0502020204030204" pitchFamily="34" charset="0"/>
+                <a:ea typeface="Calibri" panose="020F0502020204030204" pitchFamily="34" charset="0"/>
+              </a:rPr>
+              <a:t>จาก </a:t>
+            </a:r>
+            <a:endParaRPr lang="en-US" sz="2400" dirty="0">
+              <a:solidFill>
+                <a:srgbClr val="000000"/>
+              </a:solidFill>
+              <a:latin typeface="Calibri" panose="020F0502020204030204" pitchFamily="34" charset="0"/>
+              <a:ea typeface="Calibri" panose="020F0502020204030204" pitchFamily="34" charset="0"/>
+            </a:endParaRPr>
+          </a:p>
+          <a:p>
+            <a:pPr>
+              <a:lnSpc>
+                <a:spcPct val="107000"/>
+              </a:lnSpc>
+              <a:spcAft>
+                <a:spcPts val="800"/>
+              </a:spcAft>
+            </a:pPr>
+            <a:r>
+              <a:rPr lang="en-US" sz="1400" dirty="0">
+                <a:hlinkClick r:id="rId3"/>
+              </a:rPr>
+              <a:t>https://github.com/akarawat/GCPLoRaTraining/blob/master/Source%20Code/IOT%20Device/LoRaNode_V1/LoRaNode_V1.ino</a:t>
+            </a:r>
+            <a:endParaRPr lang="en-US" sz="1400" dirty="0" smtClean="0">
+              <a:solidFill>
+                <a:srgbClr val="000000"/>
+              </a:solidFill>
+              <a:effectLst/>
+              <a:latin typeface="Calibri" panose="020F0502020204030204" pitchFamily="34" charset="0"/>
+              <a:ea typeface="Calibri" panose="020F0502020204030204" pitchFamily="34" charset="0"/>
+            </a:endParaRPr>
+          </a:p>
+          <a:p>
+            <a:pPr>
+              <a:lnSpc>
+                <a:spcPct val="107000"/>
+              </a:lnSpc>
+              <a:spcAft>
+                <a:spcPts val="800"/>
+              </a:spcAft>
+            </a:pPr>
+            <a:r>
+              <a:rPr lang="th-TH" sz="2400" dirty="0" smtClean="0">
+                <a:solidFill>
+                  <a:srgbClr val="000000"/>
+                </a:solidFill>
+                <a:effectLst/>
+                <a:latin typeface="Calibri" panose="020F0502020204030204" pitchFamily="34" charset="0"/>
+                <a:ea typeface="Calibri" panose="020F0502020204030204" pitchFamily="34" charset="0"/>
+              </a:rPr>
+              <a:t>ทำการเลือกบอร์ด และ </a:t>
+            </a:r>
+            <a:r>
+              <a:rPr lang="en-US" sz="2400" dirty="0" smtClean="0">
+                <a:solidFill>
+                  <a:srgbClr val="000000"/>
+                </a:solidFill>
+                <a:latin typeface="Calibri" panose="020F0502020204030204" pitchFamily="34" charset="0"/>
+                <a:ea typeface="Calibri" panose="020F0502020204030204" pitchFamily="34" charset="0"/>
+              </a:rPr>
+              <a:t>Upload </a:t>
+            </a:r>
+            <a:r>
+              <a:rPr lang="th-TH" sz="2400" dirty="0" smtClean="0">
+                <a:solidFill>
+                  <a:srgbClr val="000000"/>
+                </a:solidFill>
+                <a:effectLst/>
+                <a:latin typeface="Calibri" panose="020F0502020204030204" pitchFamily="34" charset="0"/>
+                <a:ea typeface="Calibri" panose="020F0502020204030204" pitchFamily="34" charset="0"/>
+              </a:rPr>
+              <a:t>โปรแกรมที่ได้ดาวน์โหลดมาลงไป</a:t>
+            </a:r>
+            <a:endParaRPr lang="en-US" sz="2400" dirty="0">
+              <a:solidFill>
+                <a:srgbClr val="000000"/>
+              </a:solidFill>
+              <a:effectLst/>
+              <a:latin typeface="Calibri" panose="020F0502020204030204" pitchFamily="34" charset="0"/>
+              <a:ea typeface="Calibri" panose="020F0502020204030204" pitchFamily="34" charset="0"/>
+            </a:endParaRPr>
+          </a:p>
+        </p:txBody>
+      </p:sp>
+      <p:pic>
+        <p:nvPicPr>
+          <p:cNvPr id="7" name="รูปภาพ 6"/>
+          <p:cNvPicPr>
+            <a:picLocks noChangeAspect="1"/>
+          </p:cNvPicPr>
+          <p:nvPr/>
+        </p:nvPicPr>
+        <p:blipFill>
+          <a:blip r:embed="rId4"/>
+          <a:stretch>
+            <a:fillRect/>
+          </a:stretch>
+        </p:blipFill>
+        <p:spPr>
+          <a:xfrm>
+            <a:off x="2706282" y="3720122"/>
+            <a:ext cx="3364964" cy="2538835"/>
+          </a:xfrm>
+          <a:prstGeom prst="rect">
+            <a:avLst/>
+          </a:prstGeom>
+        </p:spPr>
+      </p:pic>
+      <p:pic>
+        <p:nvPicPr>
+          <p:cNvPr id="8" name="รูปภาพ 7"/>
+          <p:cNvPicPr>
+            <a:picLocks noChangeAspect="1"/>
+          </p:cNvPicPr>
+          <p:nvPr/>
+        </p:nvPicPr>
+        <p:blipFill>
+          <a:blip r:embed="rId5"/>
+          <a:stretch>
+            <a:fillRect/>
+          </a:stretch>
+        </p:blipFill>
+        <p:spPr>
+          <a:xfrm>
+            <a:off x="7544775" y="1245748"/>
+            <a:ext cx="1732022" cy="377659"/>
+          </a:xfrm>
+          <a:prstGeom prst="rect">
+            <a:avLst/>
+          </a:prstGeom>
+        </p:spPr>
+      </p:pic>
+    </p:spTree>
+    <p:extLst>
+      <p:ext uri="{BB962C8B-B14F-4D97-AF65-F5344CB8AC3E}">
+        <p14:creationId xmlns:p14="http://schemas.microsoft.com/office/powerpoint/2010/main" val="987636146"/>
+      </p:ext>
+    </p:extLst>
+  </p:cSld>
+  <p:clrMapOvr>
+    <a:masterClrMapping/>
+  </p:clrMapOvr>
+</p:sld>
+</file>
+
+<file path=ppt/slides/slide37.xml><?xml version="1.0" encoding="utf-8"?>
+<p:sld xmlns:a="http://schemas.openxmlformats.org/drawingml/2006/main" xmlns:r="http://schemas.openxmlformats.org/officeDocument/2006/relationships" xmlns:p="http://schemas.openxmlformats.org/presentationml/2006/main">
+  <p:cSld>
+    <p:spTree>
+      <p:nvGrpSpPr>
+        <p:cNvPr id="1" name=""/>
+        <p:cNvGrpSpPr/>
+        <p:nvPr/>
+      </p:nvGrpSpPr>
+      <p:grpSpPr>
+        <a:xfrm>
+          <a:off x="0" y="0"/>
+          <a:ext cx="0" cy="0"/>
+          <a:chOff x="0" y="0"/>
+          <a:chExt cx="0" cy="0"/>
+        </a:xfrm>
+      </p:grpSpPr>
+      <p:sp>
+        <p:nvSpPr>
+          <p:cNvPr id="2" name="Rectangle 476"/>
+          <p:cNvSpPr/>
+          <p:nvPr/>
+        </p:nvSpPr>
+        <p:spPr>
+          <a:xfrm>
+            <a:off x="385589" y="163394"/>
+            <a:ext cx="8496522" cy="1048462"/>
+          </a:xfrm>
+          <a:prstGeom prst="rect">
+            <a:avLst/>
+          </a:prstGeom>
+          <a:ln>
+            <a:noFill/>
+          </a:ln>
+        </p:spPr>
+        <p:txBody>
+          <a:bodyPr vert="horz" lIns="0" tIns="0" rIns="0" bIns="0" rtlCol="0">
+            <a:noAutofit/>
+          </a:bodyPr>
+          <a:lstStyle/>
+          <a:p>
+            <a:pPr>
+              <a:lnSpc>
+                <a:spcPct val="107000"/>
+              </a:lnSpc>
+              <a:spcAft>
+                <a:spcPts val="800"/>
+              </a:spcAft>
+            </a:pPr>
+            <a:r>
+              <a:rPr lang="th-TH" sz="4400" dirty="0" smtClean="0">
+                <a:solidFill>
+                  <a:srgbClr val="000000"/>
+                </a:solidFill>
+                <a:effectLst/>
+                <a:latin typeface="Calibri" panose="020F0502020204030204" pitchFamily="34" charset="0"/>
+                <a:ea typeface="Calibri" panose="020F0502020204030204" pitchFamily="34" charset="0"/>
+              </a:rPr>
+              <a:t>นำข้อมูลที่ได้ไปแสดงบน </a:t>
+            </a:r>
+            <a:r>
+              <a:rPr lang="en-US" sz="4400" dirty="0" smtClean="0">
+                <a:solidFill>
+                  <a:srgbClr val="000000"/>
+                </a:solidFill>
+                <a:effectLst/>
+                <a:latin typeface="Calibri" panose="020F0502020204030204" pitchFamily="34" charset="0"/>
+                <a:ea typeface="Calibri" panose="020F0502020204030204" pitchFamily="34" charset="0"/>
+              </a:rPr>
+              <a:t>Dashboard</a:t>
             </a:r>
             <a:endParaRPr lang="en-US" sz="4400" dirty="0">
               <a:solidFill>

--- a/Documents/LoRaIOTGoogleCoudPlatform.pptx
+++ b/Documents/LoRaIOTGoogleCoudPlatform.pptx
@@ -42,6 +42,7 @@
     <p:sldId id="292" r:id="rId36"/>
     <p:sldId id="294" r:id="rId37"/>
     <p:sldId id="293" r:id="rId38"/>
+    <p:sldId id="295" r:id="rId39"/>
   </p:sldIdLst>
   <p:sldSz cx="12192000" cy="6858000"/>
   <p:notesSz cx="6858000" cy="9144000"/>
@@ -279,7 +280,7 @@
           <a:p>
             <a:fld id="{5F699D2E-A641-4EB9-9639-F07BD6549959}" type="datetimeFigureOut">
               <a:rPr lang="en-US" smtClean="0"/>
-              <a:t>8/21/2019</a:t>
+              <a:t>8/22/2019</a:t>
             </a:fld>
             <a:endParaRPr lang="en-US"/>
           </a:p>
@@ -449,7 +450,7 @@
           <a:p>
             <a:fld id="{5F699D2E-A641-4EB9-9639-F07BD6549959}" type="datetimeFigureOut">
               <a:rPr lang="en-US" smtClean="0"/>
-              <a:t>8/21/2019</a:t>
+              <a:t>8/22/2019</a:t>
             </a:fld>
             <a:endParaRPr lang="en-US"/>
           </a:p>
@@ -629,7 +630,7 @@
           <a:p>
             <a:fld id="{5F699D2E-A641-4EB9-9639-F07BD6549959}" type="datetimeFigureOut">
               <a:rPr lang="en-US" smtClean="0"/>
-              <a:t>8/21/2019</a:t>
+              <a:t>8/22/2019</a:t>
             </a:fld>
             <a:endParaRPr lang="en-US"/>
           </a:p>
@@ -1034,7 +1035,7 @@
           <a:p>
             <a:fld id="{5F699D2E-A641-4EB9-9639-F07BD6549959}" type="datetimeFigureOut">
               <a:rPr lang="en-US" smtClean="0"/>
-              <a:t>8/21/2019</a:t>
+              <a:t>8/22/2019</a:t>
             </a:fld>
             <a:endParaRPr lang="en-US"/>
           </a:p>
@@ -1266,7 +1267,7 @@
           <a:p>
             <a:fld id="{5F699D2E-A641-4EB9-9639-F07BD6549959}" type="datetimeFigureOut">
               <a:rPr lang="en-US" smtClean="0"/>
-              <a:t>8/21/2019</a:t>
+              <a:t>8/22/2019</a:t>
             </a:fld>
             <a:endParaRPr lang="en-US"/>
           </a:p>
@@ -1633,7 +1634,7 @@
           <a:p>
             <a:fld id="{5F699D2E-A641-4EB9-9639-F07BD6549959}" type="datetimeFigureOut">
               <a:rPr lang="en-US" smtClean="0"/>
-              <a:t>8/21/2019</a:t>
+              <a:t>8/22/2019</a:t>
             </a:fld>
             <a:endParaRPr lang="en-US"/>
           </a:p>
@@ -1751,7 +1752,7 @@
           <a:p>
             <a:fld id="{5F699D2E-A641-4EB9-9639-F07BD6549959}" type="datetimeFigureOut">
               <a:rPr lang="en-US" smtClean="0"/>
-              <a:t>8/21/2019</a:t>
+              <a:t>8/22/2019</a:t>
             </a:fld>
             <a:endParaRPr lang="en-US"/>
           </a:p>
@@ -1846,7 +1847,7 @@
           <a:p>
             <a:fld id="{5F699D2E-A641-4EB9-9639-F07BD6549959}" type="datetimeFigureOut">
               <a:rPr lang="en-US" smtClean="0"/>
-              <a:t>8/21/2019</a:t>
+              <a:t>8/22/2019</a:t>
             </a:fld>
             <a:endParaRPr lang="en-US"/>
           </a:p>
@@ -2123,7 +2124,7 @@
           <a:p>
             <a:fld id="{5F699D2E-A641-4EB9-9639-F07BD6549959}" type="datetimeFigureOut">
               <a:rPr lang="en-US" smtClean="0"/>
-              <a:t>8/21/2019</a:t>
+              <a:t>8/22/2019</a:t>
             </a:fld>
             <a:endParaRPr lang="en-US"/>
           </a:p>
@@ -2376,7 +2377,7 @@
           <a:p>
             <a:fld id="{5F699D2E-A641-4EB9-9639-F07BD6549959}" type="datetimeFigureOut">
               <a:rPr lang="en-US" smtClean="0"/>
-              <a:t>8/21/2019</a:t>
+              <a:t>8/22/2019</a:t>
             </a:fld>
             <a:endParaRPr lang="en-US"/>
           </a:p>
@@ -2589,7 +2590,7 @@
           <a:p>
             <a:fld id="{5F699D2E-A641-4EB9-9639-F07BD6549959}" type="datetimeFigureOut">
               <a:rPr lang="en-US" smtClean="0"/>
-              <a:t>8/21/2019</a:t>
+              <a:t>8/22/2019</a:t>
             </a:fld>
             <a:endParaRPr lang="en-US"/>
           </a:p>
@@ -13831,18 +13832,7 @@
                 <a:latin typeface="Calibri" panose="020F0502020204030204" pitchFamily="34" charset="0"/>
                 <a:ea typeface="Calibri" panose="020F0502020204030204" pitchFamily="34" charset="0"/>
               </a:rPr>
-              <a:t>ตัวอย่างโปรแกรม</a:t>
-            </a:r>
-            <a:r>
-              <a:rPr lang="th-TH" sz="2400" dirty="0" smtClean="0">
-                <a:solidFill>
-                  <a:srgbClr val="000000"/>
-                </a:solidFill>
-                <a:effectLst/>
-                <a:latin typeface="Calibri" panose="020F0502020204030204" pitchFamily="34" charset="0"/>
-                <a:ea typeface="Calibri" panose="020F0502020204030204" pitchFamily="34" charset="0"/>
-              </a:rPr>
-              <a:t>จาก </a:t>
+              <a:t>ตัวอย่างโปรแกรมจาก </a:t>
             </a:r>
             <a:endParaRPr lang="en-US" sz="2400" dirty="0">
               <a:solidFill>
@@ -14135,17 +14125,7 @@
                 <a:latin typeface="Calibri" panose="020F0502020204030204" pitchFamily="34" charset="0"/>
                 <a:ea typeface="Calibri" panose="020F0502020204030204" pitchFamily="34" charset="0"/>
               </a:rPr>
-              <a:t>LoRa </a:t>
-            </a:r>
-            <a:r>
-              <a:rPr lang="en-US" sz="2400" dirty="0" smtClean="0">
-                <a:solidFill>
-                  <a:srgbClr val="FF0000"/>
-                </a:solidFill>
-                <a:latin typeface="Calibri" panose="020F0502020204030204" pitchFamily="34" charset="0"/>
-                <a:ea typeface="Calibri" panose="020F0502020204030204" pitchFamily="34" charset="0"/>
-              </a:rPr>
-              <a:t>Node</a:t>
+              <a:t>LoRa Node</a:t>
             </a:r>
             <a:endParaRPr lang="en-US" sz="2400" dirty="0">
               <a:solidFill>
@@ -14198,65 +14178,48 @@
                 <a:latin typeface="Calibri" panose="020F0502020204030204" pitchFamily="34" charset="0"/>
                 <a:ea typeface="Calibri" panose="020F0502020204030204" pitchFamily="34" charset="0"/>
               </a:rPr>
-              <a:t>2. </a:t>
-            </a:r>
-            <a:r>
-              <a:rPr lang="en-US" sz="2400" dirty="0" smtClean="0">
+              <a:t>2. File </a:t>
+            </a:r>
+            <a:r>
+              <a:rPr lang="th-TH" sz="2400" dirty="0" smtClean="0">
                 <a:solidFill>
                   <a:srgbClr val="000000"/>
                 </a:solidFill>
                 <a:latin typeface="Calibri" panose="020F0502020204030204" pitchFamily="34" charset="0"/>
                 <a:ea typeface="Calibri" panose="020F0502020204030204" pitchFamily="34" charset="0"/>
               </a:rPr>
-              <a:t>File </a:t>
-            </a:r>
-            <a:r>
-              <a:rPr lang="th-TH" sz="2400" dirty="0" smtClean="0">
+              <a:t>โปรแกรมของ </a:t>
+            </a:r>
+            <a:r>
+              <a:rPr lang="en-US" sz="2400" dirty="0" smtClean="0">
                 <a:solidFill>
                   <a:srgbClr val="000000"/>
                 </a:solidFill>
                 <a:latin typeface="Calibri" panose="020F0502020204030204" pitchFamily="34" charset="0"/>
                 <a:ea typeface="Calibri" panose="020F0502020204030204" pitchFamily="34" charset="0"/>
               </a:rPr>
-              <a:t>โปรแกรมของ </a:t>
-            </a:r>
-            <a:r>
-              <a:rPr lang="en-US" sz="2400" dirty="0" smtClean="0">
+              <a:t>LoRa </a:t>
+            </a:r>
+            <a:r>
+              <a:rPr lang="th-TH" sz="2400" dirty="0" smtClean="0">
                 <a:solidFill>
                   <a:srgbClr val="000000"/>
                 </a:solidFill>
                 <a:latin typeface="Calibri" panose="020F0502020204030204" pitchFamily="34" charset="0"/>
                 <a:ea typeface="Calibri" panose="020F0502020204030204" pitchFamily="34" charset="0"/>
               </a:rPr>
-              <a:t>LoRa </a:t>
-            </a:r>
-            <a:r>
-              <a:rPr lang="th-TH" sz="2400" dirty="0" smtClean="0">
+              <a:t>ตัวที่จะเป็น </a:t>
+            </a:r>
+            <a:r>
+              <a:rPr lang="en-US" sz="2400" dirty="0" smtClean="0">
                 <a:solidFill>
                   <a:srgbClr val="000000"/>
                 </a:solidFill>
                 <a:latin typeface="Calibri" panose="020F0502020204030204" pitchFamily="34" charset="0"/>
                 <a:ea typeface="Calibri" panose="020F0502020204030204" pitchFamily="34" charset="0"/>
               </a:rPr>
-              <a:t>ตัวที่จะเป็น </a:t>
-            </a:r>
-            <a:r>
-              <a:rPr lang="en-US" sz="2400" dirty="0" smtClean="0">
-                <a:solidFill>
-                  <a:srgbClr val="000000"/>
-                </a:solidFill>
-                <a:latin typeface="Calibri" panose="020F0502020204030204" pitchFamily="34" charset="0"/>
-                <a:ea typeface="Calibri" panose="020F0502020204030204" pitchFamily="34" charset="0"/>
-              </a:rPr>
               <a:t>Node</a:t>
             </a:r>
-            <a:endParaRPr lang="en-US" sz="2400" dirty="0" smtClean="0">
-              <a:solidFill>
-                <a:srgbClr val="000000"/>
-              </a:solidFill>
-              <a:latin typeface="Calibri" panose="020F0502020204030204" pitchFamily="34" charset="0"/>
-              <a:ea typeface="Calibri" panose="020F0502020204030204" pitchFamily="34" charset="0"/>
-            </a:endParaRPr>
           </a:p>
           <a:p>
             <a:pPr>
@@ -14277,13 +14240,6 @@
               </a:rPr>
               <a:t>LoRaNode_V1.ino</a:t>
             </a:r>
-            <a:endParaRPr lang="en-US" sz="2400" dirty="0" smtClean="0">
-              <a:solidFill>
-                <a:srgbClr val="000000"/>
-              </a:solidFill>
-              <a:latin typeface="Calibri" panose="020F0502020204030204" pitchFamily="34" charset="0"/>
-              <a:ea typeface="Calibri" panose="020F0502020204030204" pitchFamily="34" charset="0"/>
-            </a:endParaRPr>
           </a:p>
           <a:p>
             <a:pPr>
@@ -14325,18 +14281,7 @@
                 <a:latin typeface="Calibri" panose="020F0502020204030204" pitchFamily="34" charset="0"/>
                 <a:ea typeface="Calibri" panose="020F0502020204030204" pitchFamily="34" charset="0"/>
               </a:rPr>
-              <a:t>ตัวอย่างโปรแกรม</a:t>
-            </a:r>
-            <a:r>
-              <a:rPr lang="th-TH" sz="2400" dirty="0" smtClean="0">
-                <a:solidFill>
-                  <a:srgbClr val="000000"/>
-                </a:solidFill>
-                <a:effectLst/>
-                <a:latin typeface="Calibri" panose="020F0502020204030204" pitchFamily="34" charset="0"/>
-                <a:ea typeface="Calibri" panose="020F0502020204030204" pitchFamily="34" charset="0"/>
-              </a:rPr>
-              <a:t>จาก </a:t>
+              <a:t>ตัวอย่างโปรแกรมจาก </a:t>
             </a:r>
             <a:endParaRPr lang="en-US" sz="2400" dirty="0">
               <a:solidFill>
@@ -14565,10 +14510,709 @@
           </a:p>
         </p:txBody>
       </p:sp>
+      <p:sp>
+        <p:nvSpPr>
+          <p:cNvPr id="3" name="Rectangle 476"/>
+          <p:cNvSpPr/>
+          <p:nvPr/>
+        </p:nvSpPr>
+        <p:spPr>
+          <a:xfrm>
+            <a:off x="385589" y="946521"/>
+            <a:ext cx="11567712" cy="530669"/>
+          </a:xfrm>
+          <a:prstGeom prst="rect">
+            <a:avLst/>
+          </a:prstGeom>
+          <a:ln>
+            <a:noFill/>
+          </a:ln>
+        </p:spPr>
+        <p:txBody>
+          <a:bodyPr vert="horz" lIns="0" tIns="0" rIns="0" bIns="0" rtlCol="0">
+            <a:noAutofit/>
+          </a:bodyPr>
+          <a:lstStyle/>
+          <a:p>
+            <a:pPr>
+              <a:lnSpc>
+                <a:spcPct val="107000"/>
+              </a:lnSpc>
+              <a:spcAft>
+                <a:spcPts val="800"/>
+              </a:spcAft>
+            </a:pPr>
+            <a:r>
+              <a:rPr lang="th-TH" sz="2400" dirty="0" smtClean="0">
+                <a:solidFill>
+                  <a:srgbClr val="000000"/>
+                </a:solidFill>
+                <a:latin typeface="Calibri" panose="020F0502020204030204" pitchFamily="34" charset="0"/>
+                <a:ea typeface="Calibri" panose="020F0502020204030204" pitchFamily="34" charset="0"/>
+              </a:rPr>
+              <a:t>1. การแสดงผล </a:t>
+            </a:r>
+            <a:r>
+              <a:rPr lang="en-US" sz="2400" dirty="0" smtClean="0">
+                <a:solidFill>
+                  <a:srgbClr val="000000"/>
+                </a:solidFill>
+                <a:latin typeface="Calibri" panose="020F0502020204030204" pitchFamily="34" charset="0"/>
+                <a:ea typeface="Calibri" panose="020F0502020204030204" pitchFamily="34" charset="0"/>
+              </a:rPr>
+              <a:t>Dashboard </a:t>
+            </a:r>
+            <a:r>
+              <a:rPr lang="th-TH" sz="2400" dirty="0" smtClean="0">
+                <a:solidFill>
+                  <a:srgbClr val="000000"/>
+                </a:solidFill>
+                <a:latin typeface="Calibri" panose="020F0502020204030204" pitchFamily="34" charset="0"/>
+                <a:ea typeface="Calibri" panose="020F0502020204030204" pitchFamily="34" charset="0"/>
+              </a:rPr>
+              <a:t>จะต้องทำระบบให้เสร็จเรียบร้อยแล้วให้ </a:t>
+            </a:r>
+            <a:r>
+              <a:rPr lang="en-US" sz="2400" dirty="0" smtClean="0">
+                <a:solidFill>
+                  <a:srgbClr val="000000"/>
+                </a:solidFill>
+                <a:latin typeface="Calibri" panose="020F0502020204030204" pitchFamily="34" charset="0"/>
+                <a:ea typeface="Calibri" panose="020F0502020204030204" pitchFamily="34" charset="0"/>
+              </a:rPr>
+              <a:t>zip file </a:t>
+            </a:r>
+            <a:r>
+              <a:rPr lang="th-TH" sz="2400" dirty="0" smtClean="0">
+                <a:solidFill>
+                  <a:srgbClr val="000000"/>
+                </a:solidFill>
+                <a:latin typeface="Calibri" panose="020F0502020204030204" pitchFamily="34" charset="0"/>
+                <a:ea typeface="Calibri" panose="020F0502020204030204" pitchFamily="34" charset="0"/>
+              </a:rPr>
+              <a:t>เพื่ออัพโหลดขึ้นไปบน </a:t>
+            </a:r>
+            <a:r>
+              <a:rPr lang="en-US" sz="2400" dirty="0" smtClean="0">
+                <a:solidFill>
+                  <a:srgbClr val="000000"/>
+                </a:solidFill>
+                <a:latin typeface="Calibri" panose="020F0502020204030204" pitchFamily="34" charset="0"/>
+                <a:ea typeface="Calibri" panose="020F0502020204030204" pitchFamily="34" charset="0"/>
+              </a:rPr>
+              <a:t>Google Cloud Platform</a:t>
+            </a:r>
+            <a:endParaRPr lang="en-US" sz="2400" dirty="0">
+              <a:solidFill>
+                <a:srgbClr val="000000"/>
+              </a:solidFill>
+              <a:effectLst/>
+              <a:latin typeface="Calibri" panose="020F0502020204030204" pitchFamily="34" charset="0"/>
+              <a:ea typeface="Calibri" panose="020F0502020204030204" pitchFamily="34" charset="0"/>
+            </a:endParaRPr>
+          </a:p>
+        </p:txBody>
+      </p:sp>
+      <p:sp>
+        <p:nvSpPr>
+          <p:cNvPr id="4" name="Rectangle 476"/>
+          <p:cNvSpPr/>
+          <p:nvPr/>
+        </p:nvSpPr>
+        <p:spPr>
+          <a:xfrm>
+            <a:off x="385588" y="4620963"/>
+            <a:ext cx="13043853" cy="598387"/>
+          </a:xfrm>
+          <a:prstGeom prst="rect">
+            <a:avLst/>
+          </a:prstGeom>
+          <a:ln>
+            <a:noFill/>
+          </a:ln>
+        </p:spPr>
+        <p:txBody>
+          <a:bodyPr vert="horz" lIns="0" tIns="0" rIns="0" bIns="0" rtlCol="0">
+            <a:noAutofit/>
+          </a:bodyPr>
+          <a:lstStyle/>
+          <a:p>
+            <a:pPr>
+              <a:lnSpc>
+                <a:spcPct val="107000"/>
+              </a:lnSpc>
+              <a:spcAft>
+                <a:spcPts val="800"/>
+              </a:spcAft>
+            </a:pPr>
+            <a:r>
+              <a:rPr lang="th-TH" sz="2400" dirty="0" smtClean="0">
+                <a:solidFill>
+                  <a:srgbClr val="000000"/>
+                </a:solidFill>
+                <a:latin typeface="Calibri" panose="020F0502020204030204" pitchFamily="34" charset="0"/>
+                <a:ea typeface="Calibri" panose="020F0502020204030204" pitchFamily="34" charset="0"/>
+              </a:rPr>
+              <a:t>2. เมื่อ </a:t>
+            </a:r>
+            <a:r>
+              <a:rPr lang="en-US" sz="2400" dirty="0" smtClean="0">
+                <a:solidFill>
+                  <a:srgbClr val="000000"/>
+                </a:solidFill>
+                <a:latin typeface="Calibri" panose="020F0502020204030204" pitchFamily="34" charset="0"/>
+                <a:ea typeface="Calibri" panose="020F0502020204030204" pitchFamily="34" charset="0"/>
+              </a:rPr>
+              <a:t>upload file </a:t>
+            </a:r>
+            <a:r>
+              <a:rPr lang="th-TH" sz="2400" dirty="0" smtClean="0">
+                <a:solidFill>
+                  <a:srgbClr val="000000"/>
+                </a:solidFill>
+                <a:latin typeface="Calibri" panose="020F0502020204030204" pitchFamily="34" charset="0"/>
+                <a:ea typeface="Calibri" panose="020F0502020204030204" pitchFamily="34" charset="0"/>
+              </a:rPr>
+              <a:t>แล้ว จะต้องทำการย้ายไฟล์ไปตำแหน่งหลักของ </a:t>
+            </a:r>
+            <a:r>
+              <a:rPr lang="en-US" sz="2400" dirty="0" smtClean="0">
+                <a:solidFill>
+                  <a:srgbClr val="000000"/>
+                </a:solidFill>
+                <a:latin typeface="Calibri" panose="020F0502020204030204" pitchFamily="34" charset="0"/>
+                <a:ea typeface="Calibri" panose="020F0502020204030204" pitchFamily="34" charset="0"/>
+              </a:rPr>
+              <a:t>Apache webserver </a:t>
+            </a:r>
+            <a:r>
+              <a:rPr lang="th-TH" sz="2400" dirty="0" smtClean="0">
+                <a:solidFill>
+                  <a:srgbClr val="000000"/>
+                </a:solidFill>
+                <a:latin typeface="Calibri" panose="020F0502020204030204" pitchFamily="34" charset="0"/>
+                <a:ea typeface="Calibri" panose="020F0502020204030204" pitchFamily="34" charset="0"/>
+              </a:rPr>
+              <a:t>เนื่องจากไฟล์ เมื่ออัพโหลดแล้วมันจะไปอยู่ในตำแหน่ง </a:t>
+            </a:r>
+            <a:r>
+              <a:rPr lang="en-US" sz="2400" dirty="0" smtClean="0">
+                <a:solidFill>
+                  <a:srgbClr val="000000"/>
+                </a:solidFill>
+                <a:latin typeface="Calibri" panose="020F0502020204030204" pitchFamily="34" charset="0"/>
+                <a:ea typeface="Calibri" panose="020F0502020204030204" pitchFamily="34" charset="0"/>
+              </a:rPr>
+              <a:t>root </a:t>
+            </a:r>
+            <a:r>
+              <a:rPr lang="th-TH" sz="2400" dirty="0" smtClean="0">
+                <a:solidFill>
+                  <a:srgbClr val="000000"/>
+                </a:solidFill>
+                <a:latin typeface="Calibri" panose="020F0502020204030204" pitchFamily="34" charset="0"/>
+                <a:ea typeface="Calibri" panose="020F0502020204030204" pitchFamily="34" charset="0"/>
+              </a:rPr>
+              <a:t>เราต้องทำการย้ายเอง</a:t>
+            </a:r>
+          </a:p>
+          <a:p>
+            <a:pPr>
+              <a:lnSpc>
+                <a:spcPct val="107000"/>
+              </a:lnSpc>
+              <a:spcAft>
+                <a:spcPts val="800"/>
+              </a:spcAft>
+            </a:pPr>
+            <a:r>
+              <a:rPr lang="th-TH" sz="2400" dirty="0" smtClean="0">
+                <a:solidFill>
+                  <a:srgbClr val="000000"/>
+                </a:solidFill>
+                <a:effectLst/>
+                <a:latin typeface="Calibri" panose="020F0502020204030204" pitchFamily="34" charset="0"/>
+                <a:ea typeface="Calibri" panose="020F0502020204030204" pitchFamily="34" charset="0"/>
+              </a:rPr>
+              <a:t>โดยตำแหน่งไฟล์ที่จะย้ายไป คือ </a:t>
+            </a:r>
+            <a:r>
+              <a:rPr lang="en-US" sz="2400" dirty="0" smtClean="0"/>
+              <a:t>/var/www/html</a:t>
+            </a:r>
+            <a:endParaRPr lang="en-US" sz="2400" dirty="0">
+              <a:solidFill>
+                <a:srgbClr val="000000"/>
+              </a:solidFill>
+              <a:effectLst/>
+              <a:latin typeface="Calibri" panose="020F0502020204030204" pitchFamily="34" charset="0"/>
+              <a:ea typeface="Calibri" panose="020F0502020204030204" pitchFamily="34" charset="0"/>
+            </a:endParaRPr>
+          </a:p>
+        </p:txBody>
+      </p:sp>
+      <p:pic>
+        <p:nvPicPr>
+          <p:cNvPr id="7" name="รูปภาพ 6"/>
+          <p:cNvPicPr>
+            <a:picLocks noChangeAspect="1"/>
+          </p:cNvPicPr>
+          <p:nvPr/>
+        </p:nvPicPr>
+        <p:blipFill>
+          <a:blip r:embed="rId2"/>
+          <a:stretch>
+            <a:fillRect/>
+          </a:stretch>
+        </p:blipFill>
+        <p:spPr>
+          <a:xfrm>
+            <a:off x="8040384" y="2044750"/>
+            <a:ext cx="2857500" cy="1847850"/>
+          </a:xfrm>
+          <a:prstGeom prst="rect">
+            <a:avLst/>
+          </a:prstGeom>
+        </p:spPr>
+      </p:pic>
+      <p:pic>
+        <p:nvPicPr>
+          <p:cNvPr id="8" name="รูปภาพ 7"/>
+          <p:cNvPicPr>
+            <a:picLocks noChangeAspect="1"/>
+          </p:cNvPicPr>
+          <p:nvPr/>
+        </p:nvPicPr>
+        <p:blipFill>
+          <a:blip r:embed="rId3"/>
+          <a:stretch>
+            <a:fillRect/>
+          </a:stretch>
+        </p:blipFill>
+        <p:spPr>
+          <a:xfrm>
+            <a:off x="1164521" y="1458514"/>
+            <a:ext cx="5642680" cy="2984351"/>
+          </a:xfrm>
+          <a:prstGeom prst="rect">
+            <a:avLst/>
+          </a:prstGeom>
+        </p:spPr>
+      </p:pic>
+      <p:pic>
+        <p:nvPicPr>
+          <p:cNvPr id="9" name="รูปภาพ 8"/>
+          <p:cNvPicPr>
+            <a:picLocks noChangeAspect="1"/>
+          </p:cNvPicPr>
+          <p:nvPr/>
+        </p:nvPicPr>
+        <p:blipFill>
+          <a:blip r:embed="rId4"/>
+          <a:stretch>
+            <a:fillRect/>
+          </a:stretch>
+        </p:blipFill>
+        <p:spPr>
+          <a:xfrm>
+            <a:off x="5592459" y="5219350"/>
+            <a:ext cx="5305425" cy="542925"/>
+          </a:xfrm>
+          <a:prstGeom prst="rect">
+            <a:avLst/>
+          </a:prstGeom>
+        </p:spPr>
+      </p:pic>
     </p:spTree>
     <p:extLst>
       <p:ext uri="{BB962C8B-B14F-4D97-AF65-F5344CB8AC3E}">
         <p14:creationId xmlns:p14="http://schemas.microsoft.com/office/powerpoint/2010/main" val="502737189"/>
+      </p:ext>
+    </p:extLst>
+  </p:cSld>
+  <p:clrMapOvr>
+    <a:masterClrMapping/>
+  </p:clrMapOvr>
+</p:sld>
+</file>
+
+<file path=ppt/slides/slide38.xml><?xml version="1.0" encoding="utf-8"?>
+<p:sld xmlns:a="http://schemas.openxmlformats.org/drawingml/2006/main" xmlns:r="http://schemas.openxmlformats.org/officeDocument/2006/relationships" xmlns:p="http://schemas.openxmlformats.org/presentationml/2006/main">
+  <p:cSld>
+    <p:spTree>
+      <p:nvGrpSpPr>
+        <p:cNvPr id="1" name=""/>
+        <p:cNvGrpSpPr/>
+        <p:nvPr/>
+      </p:nvGrpSpPr>
+      <p:grpSpPr>
+        <a:xfrm>
+          <a:off x="0" y="0"/>
+          <a:ext cx="0" cy="0"/>
+          <a:chOff x="0" y="0"/>
+          <a:chExt cx="0" cy="0"/>
+        </a:xfrm>
+      </p:grpSpPr>
+      <p:sp>
+        <p:nvSpPr>
+          <p:cNvPr id="2" name="Rectangle 476"/>
+          <p:cNvSpPr/>
+          <p:nvPr/>
+        </p:nvSpPr>
+        <p:spPr>
+          <a:xfrm>
+            <a:off x="385589" y="163394"/>
+            <a:ext cx="8496522" cy="1048462"/>
+          </a:xfrm>
+          <a:prstGeom prst="rect">
+            <a:avLst/>
+          </a:prstGeom>
+          <a:ln>
+            <a:noFill/>
+          </a:ln>
+        </p:spPr>
+        <p:txBody>
+          <a:bodyPr vert="horz" lIns="0" tIns="0" rIns="0" bIns="0" rtlCol="0">
+            <a:noAutofit/>
+          </a:bodyPr>
+          <a:lstStyle/>
+          <a:p>
+            <a:pPr>
+              <a:lnSpc>
+                <a:spcPct val="107000"/>
+              </a:lnSpc>
+              <a:spcAft>
+                <a:spcPts val="800"/>
+              </a:spcAft>
+            </a:pPr>
+            <a:r>
+              <a:rPr lang="th-TH" sz="4400" dirty="0" smtClean="0">
+                <a:solidFill>
+                  <a:srgbClr val="000000"/>
+                </a:solidFill>
+                <a:effectLst/>
+                <a:latin typeface="Calibri" panose="020F0502020204030204" pitchFamily="34" charset="0"/>
+                <a:ea typeface="Calibri" panose="020F0502020204030204" pitchFamily="34" charset="0"/>
+              </a:rPr>
+              <a:t>นำข้อมูลที่ได้ไปแสดงบน </a:t>
+            </a:r>
+            <a:r>
+              <a:rPr lang="en-US" sz="4400" dirty="0" smtClean="0">
+                <a:solidFill>
+                  <a:srgbClr val="000000"/>
+                </a:solidFill>
+                <a:effectLst/>
+                <a:latin typeface="Calibri" panose="020F0502020204030204" pitchFamily="34" charset="0"/>
+                <a:ea typeface="Calibri" panose="020F0502020204030204" pitchFamily="34" charset="0"/>
+              </a:rPr>
+              <a:t>Dashboard</a:t>
+            </a:r>
+            <a:endParaRPr lang="en-US" sz="4400" dirty="0">
+              <a:solidFill>
+                <a:srgbClr val="000000"/>
+              </a:solidFill>
+              <a:effectLst/>
+              <a:latin typeface="Calibri" panose="020F0502020204030204" pitchFamily="34" charset="0"/>
+              <a:ea typeface="Calibri" panose="020F0502020204030204" pitchFamily="34" charset="0"/>
+            </a:endParaRPr>
+          </a:p>
+        </p:txBody>
+      </p:sp>
+      <p:sp>
+        <p:nvSpPr>
+          <p:cNvPr id="5" name="Rectangle 476"/>
+          <p:cNvSpPr/>
+          <p:nvPr/>
+        </p:nvSpPr>
+        <p:spPr>
+          <a:xfrm>
+            <a:off x="385589" y="936312"/>
+            <a:ext cx="11567712" cy="530669"/>
+          </a:xfrm>
+          <a:prstGeom prst="rect">
+            <a:avLst/>
+          </a:prstGeom>
+          <a:ln>
+            <a:noFill/>
+          </a:ln>
+        </p:spPr>
+        <p:txBody>
+          <a:bodyPr vert="horz" lIns="0" tIns="0" rIns="0" bIns="0" rtlCol="0">
+            <a:noAutofit/>
+          </a:bodyPr>
+          <a:lstStyle/>
+          <a:p>
+            <a:pPr>
+              <a:lnSpc>
+                <a:spcPct val="107000"/>
+              </a:lnSpc>
+              <a:spcAft>
+                <a:spcPts val="800"/>
+              </a:spcAft>
+            </a:pPr>
+            <a:r>
+              <a:rPr lang="th-TH" sz="2400" dirty="0" smtClean="0">
+                <a:solidFill>
+                  <a:srgbClr val="000000"/>
+                </a:solidFill>
+                <a:latin typeface="Calibri" panose="020F0502020204030204" pitchFamily="34" charset="0"/>
+                <a:ea typeface="Calibri" panose="020F0502020204030204" pitchFamily="34" charset="0"/>
+              </a:rPr>
+              <a:t>3. เสร็จแล้วทำการแตกไฟล์ด้วยคำสั่ง </a:t>
+            </a:r>
+            <a:r>
+              <a:rPr lang="en-US" sz="2400" dirty="0" smtClean="0">
+                <a:solidFill>
+                  <a:srgbClr val="000000"/>
+                </a:solidFill>
+                <a:latin typeface="Calibri" panose="020F0502020204030204" pitchFamily="34" charset="0"/>
+                <a:ea typeface="Calibri" panose="020F0502020204030204" pitchFamily="34" charset="0"/>
+              </a:rPr>
+              <a:t>$sudo unzip filexxx.zip</a:t>
+            </a:r>
+            <a:endParaRPr lang="en-US" sz="2400" dirty="0">
+              <a:solidFill>
+                <a:srgbClr val="000000"/>
+              </a:solidFill>
+              <a:effectLst/>
+              <a:latin typeface="Calibri" panose="020F0502020204030204" pitchFamily="34" charset="0"/>
+              <a:ea typeface="Calibri" panose="020F0502020204030204" pitchFamily="34" charset="0"/>
+            </a:endParaRPr>
+          </a:p>
+        </p:txBody>
+      </p:sp>
+      <p:pic>
+        <p:nvPicPr>
+          <p:cNvPr id="10" name="รูปภาพ 9"/>
+          <p:cNvPicPr>
+            <a:picLocks noChangeAspect="1"/>
+          </p:cNvPicPr>
+          <p:nvPr/>
+        </p:nvPicPr>
+        <p:blipFill>
+          <a:blip r:embed="rId2"/>
+          <a:stretch>
+            <a:fillRect/>
+          </a:stretch>
+        </p:blipFill>
+        <p:spPr>
+          <a:xfrm>
+            <a:off x="385589" y="1365137"/>
+            <a:ext cx="4461833" cy="2024425"/>
+          </a:xfrm>
+          <a:prstGeom prst="rect">
+            <a:avLst/>
+          </a:prstGeom>
+        </p:spPr>
+      </p:pic>
+      <p:sp>
+        <p:nvSpPr>
+          <p:cNvPr id="11" name="Rectangle 476"/>
+          <p:cNvSpPr/>
+          <p:nvPr/>
+        </p:nvSpPr>
+        <p:spPr>
+          <a:xfrm>
+            <a:off x="385589" y="3542843"/>
+            <a:ext cx="11567712" cy="530669"/>
+          </a:xfrm>
+          <a:prstGeom prst="rect">
+            <a:avLst/>
+          </a:prstGeom>
+          <a:ln>
+            <a:noFill/>
+          </a:ln>
+        </p:spPr>
+        <p:txBody>
+          <a:bodyPr vert="horz" lIns="0" tIns="0" rIns="0" bIns="0" rtlCol="0">
+            <a:noAutofit/>
+          </a:bodyPr>
+          <a:lstStyle/>
+          <a:p>
+            <a:pPr>
+              <a:lnSpc>
+                <a:spcPct val="107000"/>
+              </a:lnSpc>
+              <a:spcAft>
+                <a:spcPts val="800"/>
+              </a:spcAft>
+            </a:pPr>
+            <a:r>
+              <a:rPr lang="th-TH" sz="2400" dirty="0" smtClean="0">
+                <a:solidFill>
+                  <a:srgbClr val="000000"/>
+                </a:solidFill>
+                <a:latin typeface="Calibri" panose="020F0502020204030204" pitchFamily="34" charset="0"/>
+                <a:ea typeface="Calibri" panose="020F0502020204030204" pitchFamily="34" charset="0"/>
+              </a:rPr>
+              <a:t>4. ทดสอบเข้า </a:t>
+            </a:r>
+            <a:r>
+              <a:rPr lang="en-US" sz="2400" dirty="0" smtClean="0">
+                <a:solidFill>
+                  <a:srgbClr val="000000"/>
+                </a:solidFill>
+                <a:latin typeface="Calibri" panose="020F0502020204030204" pitchFamily="34" charset="0"/>
+                <a:ea typeface="Calibri" panose="020F0502020204030204" pitchFamily="34" charset="0"/>
+              </a:rPr>
+              <a:t>Dashboard </a:t>
+            </a:r>
+            <a:r>
+              <a:rPr lang="th-TH" sz="2400" dirty="0" smtClean="0">
+                <a:solidFill>
+                  <a:srgbClr val="000000"/>
+                </a:solidFill>
+                <a:latin typeface="Calibri" panose="020F0502020204030204" pitchFamily="34" charset="0"/>
+                <a:ea typeface="Calibri" panose="020F0502020204030204" pitchFamily="34" charset="0"/>
+              </a:rPr>
+              <a:t>ผ่าน </a:t>
+            </a:r>
+            <a:r>
+              <a:rPr lang="en-US" sz="2400" dirty="0" smtClean="0">
+                <a:solidFill>
+                  <a:srgbClr val="000000"/>
+                </a:solidFill>
+                <a:latin typeface="Calibri" panose="020F0502020204030204" pitchFamily="34" charset="0"/>
+                <a:ea typeface="Calibri" panose="020F0502020204030204" pitchFamily="34" charset="0"/>
+              </a:rPr>
+              <a:t>web browser </a:t>
+            </a:r>
+            <a:r>
+              <a:rPr lang="th-TH" sz="2400" dirty="0" smtClean="0">
+                <a:solidFill>
+                  <a:srgbClr val="000000"/>
+                </a:solidFill>
+                <a:latin typeface="Calibri" panose="020F0502020204030204" pitchFamily="34" charset="0"/>
+                <a:ea typeface="Calibri" panose="020F0502020204030204" pitchFamily="34" charset="0"/>
+              </a:rPr>
+              <a:t>โดยระบุ </a:t>
+            </a:r>
+            <a:r>
+              <a:rPr lang="en-US" sz="2400" dirty="0" smtClean="0">
+                <a:solidFill>
+                  <a:srgbClr val="000000"/>
+                </a:solidFill>
+                <a:latin typeface="Calibri" panose="020F0502020204030204" pitchFamily="34" charset="0"/>
+                <a:ea typeface="Calibri" panose="020F0502020204030204" pitchFamily="34" charset="0"/>
+              </a:rPr>
+              <a:t>IP </a:t>
+            </a:r>
+            <a:r>
+              <a:rPr lang="th-TH" sz="2400" dirty="0" smtClean="0">
+                <a:solidFill>
+                  <a:srgbClr val="000000"/>
+                </a:solidFill>
+                <a:latin typeface="Calibri" panose="020F0502020204030204" pitchFamily="34" charset="0"/>
+                <a:ea typeface="Calibri" panose="020F0502020204030204" pitchFamily="34" charset="0"/>
+              </a:rPr>
+              <a:t>และ </a:t>
+            </a:r>
+            <a:r>
+              <a:rPr lang="en-US" sz="2400" dirty="0" smtClean="0">
+                <a:solidFill>
+                  <a:srgbClr val="000000"/>
+                </a:solidFill>
+                <a:latin typeface="Calibri" panose="020F0502020204030204" pitchFamily="34" charset="0"/>
+                <a:ea typeface="Calibri" panose="020F0502020204030204" pitchFamily="34" charset="0"/>
+              </a:rPr>
+              <a:t>path </a:t>
+            </a:r>
+            <a:r>
+              <a:rPr lang="th-TH" sz="2400" dirty="0" smtClean="0">
+                <a:solidFill>
+                  <a:srgbClr val="000000"/>
+                </a:solidFill>
+                <a:latin typeface="Calibri" panose="020F0502020204030204" pitchFamily="34" charset="0"/>
+                <a:ea typeface="Calibri" panose="020F0502020204030204" pitchFamily="34" charset="0"/>
+              </a:rPr>
+              <a:t>ของ </a:t>
+            </a:r>
+            <a:r>
+              <a:rPr lang="en-US" sz="2400" dirty="0" smtClean="0">
+                <a:solidFill>
+                  <a:srgbClr val="000000"/>
+                </a:solidFill>
+                <a:latin typeface="Calibri" panose="020F0502020204030204" pitchFamily="34" charset="0"/>
+                <a:ea typeface="Calibri" panose="020F0502020204030204" pitchFamily="34" charset="0"/>
+              </a:rPr>
+              <a:t>Server </a:t>
+            </a:r>
+            <a:r>
+              <a:rPr lang="th-TH" sz="2400" dirty="0" smtClean="0">
+                <a:solidFill>
+                  <a:srgbClr val="000000"/>
+                </a:solidFill>
+                <a:latin typeface="Calibri" panose="020F0502020204030204" pitchFamily="34" charset="0"/>
+                <a:ea typeface="Calibri" panose="020F0502020204030204" pitchFamily="34" charset="0"/>
+              </a:rPr>
+              <a:t>ให้ถูกต้อง </a:t>
+            </a:r>
+          </a:p>
+          <a:p>
+            <a:pPr>
+              <a:lnSpc>
+                <a:spcPct val="107000"/>
+              </a:lnSpc>
+              <a:spcAft>
+                <a:spcPts val="800"/>
+              </a:spcAft>
+            </a:pPr>
+            <a:r>
+              <a:rPr lang="th-TH" sz="2400" dirty="0" smtClean="0">
+                <a:solidFill>
+                  <a:srgbClr val="000000"/>
+                </a:solidFill>
+                <a:effectLst/>
+                <a:latin typeface="Calibri" panose="020F0502020204030204" pitchFamily="34" charset="0"/>
+                <a:ea typeface="Calibri" panose="020F0502020204030204" pitchFamily="34" charset="0"/>
+              </a:rPr>
+              <a:t>เช่น </a:t>
+            </a:r>
+            <a:r>
+              <a:rPr lang="en-US" sz="2400" dirty="0">
+                <a:hlinkClick r:id="rId3"/>
+              </a:rPr>
+              <a:t>http://35.240.177.29/Dashboard/dht.html</a:t>
+            </a:r>
+            <a:endParaRPr lang="en-US" sz="2400" dirty="0">
+              <a:solidFill>
+                <a:srgbClr val="000000"/>
+              </a:solidFill>
+              <a:effectLst/>
+              <a:latin typeface="Calibri" panose="020F0502020204030204" pitchFamily="34" charset="0"/>
+              <a:ea typeface="Calibri" panose="020F0502020204030204" pitchFamily="34" charset="0"/>
+            </a:endParaRPr>
+          </a:p>
+        </p:txBody>
+      </p:sp>
+      <p:pic>
+        <p:nvPicPr>
+          <p:cNvPr id="6" name="รูปภาพ 5"/>
+          <p:cNvPicPr>
+            <a:picLocks noChangeAspect="1"/>
+          </p:cNvPicPr>
+          <p:nvPr/>
+        </p:nvPicPr>
+        <p:blipFill>
+          <a:blip r:embed="rId4"/>
+          <a:stretch>
+            <a:fillRect/>
+          </a:stretch>
+        </p:blipFill>
+        <p:spPr>
+          <a:xfrm>
+            <a:off x="6365611" y="4073512"/>
+            <a:ext cx="4464658" cy="2569659"/>
+          </a:xfrm>
+          <a:prstGeom prst="rect">
+            <a:avLst/>
+          </a:prstGeom>
+        </p:spPr>
+      </p:pic>
+    </p:spTree>
+    <p:extLst>
+      <p:ext uri="{BB962C8B-B14F-4D97-AF65-F5344CB8AC3E}">
+        <p14:creationId xmlns:p14="http://schemas.microsoft.com/office/powerpoint/2010/main" val="878068936"/>
       </p:ext>
     </p:extLst>
   </p:cSld>
